--- a/Made you look!.pptx
+++ b/Made you look!.pptx
@@ -27,16 +27,23 @@
     <p:sldId id="272" r:id="rId22"/>
     <p:sldId id="273" r:id="rId23"/>
     <p:sldId id="274" r:id="rId24"/>
+    <p:sldId id="275" r:id="rId25"/>
+    <p:sldId id="276" r:id="rId26"/>
+    <p:sldId id="277" r:id="rId27"/>
   </p:sldIdLst>
   <p:sldSz cy="5143500" cx="9144000"/>
   <p:notesSz cx="6858000" cy="9144000"/>
   <p:embeddedFontLst>
     <p:embeddedFont>
       <p:font typeface="Roboto"/>
-      <p:regular r:id="rId25"/>
-      <p:bold r:id="rId26"/>
-      <p:italic r:id="rId27"/>
-      <p:boldItalic r:id="rId28"/>
+      <p:regular r:id="rId28"/>
+      <p:bold r:id="rId29"/>
+      <p:italic r:id="rId30"/>
+      <p:boldItalic r:id="rId31"/>
+    </p:embeddedFont>
+    <p:embeddedFont>
+      <p:font typeface="Pacifico"/>
+      <p:regular r:id="rId32"/>
     </p:embeddedFont>
   </p:embeddedFontLst>
   <p:defaultTextStyle>
@@ -817,7 +824,7 @@
   <p:cSld>
     <p:spTree>
       <p:nvGrpSpPr>
-        <p:cNvPr id="104" name="Shape 104"/>
+        <p:cNvPr id="105" name="Shape 105"/>
         <p:cNvGrpSpPr/>
         <p:nvPr/>
       </p:nvGrpSpPr>
@@ -831,7 +838,7 @@
       </p:grpSpPr>
       <p:sp>
         <p:nvSpPr>
-          <p:cNvPr id="105" name="Google Shape;105;g64c49290d1_0_41:notes"/>
+          <p:cNvPr id="106" name="Google Shape;106;g64f0b5732f_0_18:notes"/>
           <p:cNvSpPr/>
           <p:nvPr>
             <p:ph idx="2" type="sldImg"/>
@@ -866,7 +873,7 @@
       </p:sp>
       <p:sp>
         <p:nvSpPr>
-          <p:cNvPr id="106" name="Google Shape;106;g64c49290d1_0_41:notes"/>
+          <p:cNvPr id="107" name="Google Shape;107;g64f0b5732f_0_18:notes"/>
           <p:cNvSpPr txBox="1"/>
           <p:nvPr>
             <p:ph idx="1" type="body"/>
@@ -898,7 +905,7 @@
             </a:pPr>
             <a:r>
               <a:rPr lang="en"/>
-              <a:t>Too much color is as bad as none at all. </a:t>
+              <a:t>Example of brightness: where does your eye go in this movie still.</a:t>
             </a:r>
             <a:endParaRPr/>
           </a:p>
@@ -929,7 +936,15 @@
             </a:pPr>
             <a:r>
               <a:rPr lang="en"/>
-              <a:t>Remember: colors are accents. Also, black is an accent color in visualizations. </a:t>
+              <a:t>Cary Grant in Alfred Hitchcock’s </a:t>
+            </a:r>
+            <a:r>
+              <a:rPr i="1" lang="en"/>
+              <a:t>Suspicion</a:t>
+            </a:r>
+            <a:r>
+              <a:rPr lang="en"/>
+              <a:t> (1941)</a:t>
             </a:r>
             <a:endParaRPr/>
           </a:p>
@@ -948,7 +963,7 @@
   <p:cSld>
     <p:spTree>
       <p:nvGrpSpPr>
-        <p:cNvPr id="110" name="Shape 110"/>
+        <p:cNvPr id="109" name="Shape 109"/>
         <p:cNvGrpSpPr/>
         <p:nvPr/>
       </p:nvGrpSpPr>
@@ -962,7 +977,7 @@
       </p:grpSpPr>
       <p:sp>
         <p:nvSpPr>
-          <p:cNvPr id="111" name="Google Shape;111;g64c49290d1_0_96:notes"/>
+          <p:cNvPr id="110" name="Google Shape;110;g64c49290d1_0_103:notes"/>
           <p:cNvSpPr/>
           <p:nvPr>
             <p:ph idx="2" type="sldImg"/>
@@ -997,7 +1012,7 @@
       </p:sp>
       <p:sp>
         <p:nvSpPr>
-          <p:cNvPr id="112" name="Google Shape;112;g64c49290d1_0_96:notes"/>
+          <p:cNvPr id="111" name="Google Shape;111;g64c49290d1_0_103:notes"/>
           <p:cNvSpPr txBox="1"/>
           <p:nvPr>
             <p:ph idx="1" type="body"/>
@@ -1028,172 +1043,18 @@
               <a:buNone/>
             </a:pPr>
             <a:r>
-              <a:rPr lang="en" sz="1200">
-                <a:solidFill>
-                  <a:srgbClr val="333333"/>
-                </a:solidFill>
-                <a:highlight>
-                  <a:srgbClr val="FFFFFF"/>
-                </a:highlight>
-              </a:rPr>
-              <a:t>Color saturation is the intensity of a hue. It is the amount of grey in a color. </a:t>
-            </a:r>
-            <a:endParaRPr sz="1200">
-              <a:solidFill>
-                <a:srgbClr val="333333"/>
-              </a:solidFill>
-              <a:highlight>
-                <a:srgbClr val="FFFFFF"/>
-              </a:highlight>
-            </a:endParaRPr>
-          </a:p>
-          <a:p>
-            <a:pPr indent="0" lvl="0" marL="0" rtl="0" algn="l">
-              <a:spcBef>
-                <a:spcPts val="0"/>
-              </a:spcBef>
-              <a:spcAft>
-                <a:spcPts val="0"/>
-              </a:spcAft>
-              <a:buNone/>
-            </a:pPr>
-            <a:r>
-              <a:t/>
-            </a:r>
-            <a:endParaRPr sz="1200">
-              <a:solidFill>
-                <a:srgbClr val="333333"/>
-              </a:solidFill>
-              <a:highlight>
-                <a:srgbClr val="FFFFFF"/>
-              </a:highlight>
-            </a:endParaRPr>
-          </a:p>
-          <a:p>
-            <a:pPr indent="0" lvl="0" marL="0" rtl="0" algn="l">
-              <a:spcBef>
-                <a:spcPts val="0"/>
-              </a:spcBef>
-              <a:spcAft>
-                <a:spcPts val="0"/>
-              </a:spcAft>
-              <a:buNone/>
-            </a:pPr>
-            <a:r>
-              <a:rPr lang="en" sz="1200">
-                <a:solidFill>
-                  <a:srgbClr val="333333"/>
-                </a:solidFill>
-                <a:highlight>
-                  <a:srgbClr val="FFFFFF"/>
-                </a:highlight>
-              </a:rPr>
-              <a:t>Maximum saturation is pure color.  Minimum is washed out, faded, pastel, etc. </a:t>
-            </a:r>
-            <a:endParaRPr sz="1200">
-              <a:solidFill>
-                <a:srgbClr val="333333"/>
-              </a:solidFill>
-              <a:highlight>
-                <a:srgbClr val="FFFFFF"/>
-              </a:highlight>
-            </a:endParaRPr>
-          </a:p>
-          <a:p>
-            <a:pPr indent="0" lvl="0" marL="0" rtl="0" algn="l">
-              <a:spcBef>
-                <a:spcPts val="0"/>
-              </a:spcBef>
-              <a:spcAft>
-                <a:spcPts val="0"/>
-              </a:spcAft>
-              <a:buNone/>
-            </a:pPr>
-            <a:r>
-              <a:t/>
-            </a:r>
-            <a:endParaRPr sz="1200">
-              <a:solidFill>
-                <a:srgbClr val="333333"/>
-              </a:solidFill>
-              <a:highlight>
-                <a:srgbClr val="FFFFFF"/>
-              </a:highlight>
-            </a:endParaRPr>
-          </a:p>
-          <a:p>
-            <a:pPr indent="0" lvl="0" marL="0" rtl="0" algn="l">
-              <a:spcBef>
-                <a:spcPts val="0"/>
-              </a:spcBef>
-              <a:spcAft>
-                <a:spcPts val="0"/>
-              </a:spcAft>
-              <a:buNone/>
-            </a:pPr>
-            <a:r>
-              <a:rPr lang="en" sz="1200">
-                <a:solidFill>
-                  <a:srgbClr val="333333"/>
-                </a:solidFill>
-                <a:highlight>
-                  <a:srgbClr val="FFFFFF"/>
-                </a:highlight>
-              </a:rPr>
-              <a:t>Why does saturation matter?  Our eyes are drawn to pure, intense colors. Also, using a continuum of saturations for a single color allows us to add variety to a presentation without overwhelming our eyes with too many colors.  </a:t>
-            </a:r>
-            <a:endParaRPr sz="1200">
-              <a:solidFill>
-                <a:srgbClr val="333333"/>
-              </a:solidFill>
-              <a:highlight>
-                <a:srgbClr val="FFFFFF"/>
-              </a:highlight>
-            </a:endParaRPr>
-          </a:p>
-          <a:p>
-            <a:pPr indent="0" lvl="0" marL="0" rtl="0" algn="l">
-              <a:spcBef>
-                <a:spcPts val="0"/>
-              </a:spcBef>
-              <a:spcAft>
-                <a:spcPts val="0"/>
-              </a:spcAft>
-              <a:buNone/>
-            </a:pPr>
-            <a:r>
-              <a:t/>
-            </a:r>
-            <a:endParaRPr sz="1200">
-              <a:solidFill>
-                <a:srgbClr val="333333"/>
-              </a:solidFill>
-              <a:highlight>
-                <a:srgbClr val="FFFFFF"/>
-              </a:highlight>
-            </a:endParaRPr>
-          </a:p>
-          <a:p>
-            <a:pPr indent="0" lvl="0" marL="0" rtl="0" algn="l">
-              <a:spcBef>
-                <a:spcPts val="0"/>
-              </a:spcBef>
-              <a:spcAft>
-                <a:spcPts val="0"/>
-              </a:spcAft>
-              <a:buNone/>
-            </a:pPr>
-            <a:r>
-              <a:t/>
-            </a:r>
-            <a:endParaRPr sz="1200">
-              <a:solidFill>
-                <a:srgbClr val="333333"/>
-              </a:solidFill>
-              <a:highlight>
-                <a:srgbClr val="FFFFFF"/>
-              </a:highlight>
-            </a:endParaRPr>
+              <a:rPr lang="en"/>
+              <a:t>In these examples, brightness is coupled with geometric area to convey information about the relative strength/size/importance of each data element. Visualization software has color-blind </a:t>
+            </a:r>
+            <a:r>
+              <a:rPr lang="en"/>
+              <a:t>palettes. I use these frequently.</a:t>
+            </a:r>
+            <a:r>
+              <a:rPr lang="en"/>
+              <a:t> </a:t>
+            </a:r>
+            <a:endParaRPr/>
           </a:p>
         </p:txBody>
       </p:sp>
@@ -1224,7 +1085,7 @@
       </p:grpSpPr>
       <p:sp>
         <p:nvSpPr>
-          <p:cNvPr id="117" name="Google Shape;117;g64c49290d1_0_109:notes"/>
+          <p:cNvPr id="117" name="Google Shape;117;g64c49290d1_0_46:notes"/>
           <p:cNvSpPr/>
           <p:nvPr>
             <p:ph idx="2" type="sldImg"/>
@@ -1259,7 +1120,7 @@
       </p:sp>
       <p:sp>
         <p:nvSpPr>
-          <p:cNvPr id="118" name="Google Shape;118;g64c49290d1_0_109:notes"/>
+          <p:cNvPr id="118" name="Google Shape;118;g64c49290d1_0_46:notes"/>
           <p:cNvSpPr txBox="1"/>
           <p:nvPr>
             <p:ph idx="1" type="body"/>
@@ -1290,198 +1151,10 @@
               <a:buNone/>
             </a:pPr>
             <a:r>
-              <a:rPr b="1" lang="en" sz="900">
-                <a:solidFill>
-                  <a:schemeClr val="dk1"/>
-                </a:solidFill>
-              </a:rPr>
-              <a:t>Brightness</a:t>
-            </a:r>
-            <a:r>
-              <a:rPr lang="en" sz="900">
-                <a:solidFill>
-                  <a:schemeClr val="dk1"/>
-                </a:solidFill>
-              </a:rPr>
-              <a:t> is the relative lightness or darkness of a particular color, from black (no brightness) to white (full brightness). Brightness is also called </a:t>
-            </a:r>
-            <a:r>
-              <a:rPr b="1" lang="en" sz="900">
-                <a:solidFill>
-                  <a:schemeClr val="dk1"/>
-                </a:solidFill>
-              </a:rPr>
-              <a:t>Lightness</a:t>
-            </a:r>
-            <a:r>
-              <a:rPr lang="en" sz="900">
-                <a:solidFill>
-                  <a:schemeClr val="dk1"/>
-                </a:solidFill>
-              </a:rPr>
-              <a:t> in some contexts.   </a:t>
-            </a:r>
-            <a:r>
-              <a:rPr lang="en" sz="1200">
-                <a:solidFill>
-                  <a:srgbClr val="333333"/>
-                </a:solidFill>
-                <a:highlight>
-                  <a:srgbClr val="FFFFFF"/>
-                </a:highlight>
-              </a:rPr>
-              <a:t>In Tableau, saturation is called Opacity and is measure as a percent. </a:t>
-            </a:r>
-            <a:endParaRPr sz="1200">
-              <a:solidFill>
-                <a:srgbClr val="333333"/>
-              </a:solidFill>
-              <a:highlight>
-                <a:srgbClr val="FFFFFF"/>
-              </a:highlight>
-            </a:endParaRPr>
-          </a:p>
-          <a:p>
-            <a:pPr indent="0" lvl="0" marL="0" rtl="0" algn="l">
-              <a:spcBef>
-                <a:spcPts val="0"/>
-              </a:spcBef>
-              <a:spcAft>
-                <a:spcPts val="0"/>
-              </a:spcAft>
-              <a:buNone/>
-            </a:pPr>
-            <a:r>
-              <a:t/>
-            </a:r>
-            <a:endParaRPr sz="1200">
-              <a:solidFill>
-                <a:srgbClr val="333333"/>
-              </a:solidFill>
-              <a:highlight>
-                <a:srgbClr val="FFFFFF"/>
-              </a:highlight>
-            </a:endParaRPr>
-          </a:p>
-          <a:p>
-            <a:pPr indent="0" lvl="0" marL="0" rtl="0" algn="l">
-              <a:spcBef>
-                <a:spcPts val="0"/>
-              </a:spcBef>
-              <a:spcAft>
-                <a:spcPts val="0"/>
-              </a:spcAft>
-              <a:buNone/>
-            </a:pPr>
-            <a:r>
-              <a:rPr lang="en" sz="1200">
-                <a:solidFill>
-                  <a:srgbClr val="333333"/>
-                </a:solidFill>
-                <a:highlight>
-                  <a:srgbClr val="FFFFFF"/>
-                </a:highlight>
-              </a:rPr>
-              <a:t>The difference between saturation and brightness is very important in photography and image processing applications. It is less important in creating visualizations using charts and graphs.</a:t>
-            </a:r>
-            <a:endParaRPr sz="1200">
-              <a:solidFill>
-                <a:srgbClr val="333333"/>
-              </a:solidFill>
-              <a:highlight>
-                <a:srgbClr val="FFFFFF"/>
-              </a:highlight>
-            </a:endParaRPr>
-          </a:p>
-          <a:p>
-            <a:pPr indent="0" lvl="0" marL="0" rtl="0" algn="l">
-              <a:spcBef>
-                <a:spcPts val="0"/>
-              </a:spcBef>
-              <a:spcAft>
-                <a:spcPts val="0"/>
-              </a:spcAft>
-              <a:buNone/>
-            </a:pPr>
-            <a:r>
-              <a:t/>
-            </a:r>
-            <a:endParaRPr sz="1200">
-              <a:solidFill>
-                <a:srgbClr val="333333"/>
-              </a:solidFill>
-              <a:highlight>
-                <a:srgbClr val="FFFFFF"/>
-              </a:highlight>
-            </a:endParaRPr>
-          </a:p>
-          <a:p>
-            <a:pPr indent="0" lvl="0" marL="0" rtl="0" algn="l">
-              <a:spcBef>
-                <a:spcPts val="0"/>
-              </a:spcBef>
-              <a:spcAft>
-                <a:spcPts val="0"/>
-              </a:spcAft>
-              <a:buNone/>
-            </a:pPr>
-            <a:r>
-              <a:rPr lang="en" sz="1200">
-                <a:solidFill>
-                  <a:srgbClr val="333333"/>
-                </a:solidFill>
-                <a:highlight>
-                  <a:srgbClr val="FFFFFF"/>
-                </a:highlight>
-              </a:rPr>
-              <a:t>The takeaway: if you want turn a blue sky grey, lessen the saturation. If you want to make a dark blue sky a lighter shade of blue, increase the brightness. </a:t>
-            </a:r>
-            <a:endParaRPr sz="1200">
-              <a:solidFill>
-                <a:srgbClr val="333333"/>
-              </a:solidFill>
-              <a:highlight>
-                <a:srgbClr val="FFFFFF"/>
-              </a:highlight>
-            </a:endParaRPr>
-          </a:p>
-          <a:p>
-            <a:pPr indent="0" lvl="0" marL="0" rtl="0" algn="l">
-              <a:spcBef>
-                <a:spcPts val="0"/>
-              </a:spcBef>
-              <a:spcAft>
-                <a:spcPts val="0"/>
-              </a:spcAft>
-              <a:buNone/>
-            </a:pPr>
-            <a:r>
-              <a:t/>
-            </a:r>
-            <a:endParaRPr sz="900">
-              <a:solidFill>
-                <a:schemeClr val="dk1"/>
-              </a:solidFill>
-            </a:endParaRPr>
-          </a:p>
-          <a:p>
-            <a:pPr indent="0" lvl="0" marL="0" rtl="0" algn="l">
-              <a:spcBef>
-                <a:spcPts val="0"/>
-              </a:spcBef>
-              <a:spcAft>
-                <a:spcPts val="0"/>
-              </a:spcAft>
-              <a:buNone/>
-            </a:pPr>
-            <a:r>
-              <a:t/>
-            </a:r>
-            <a:endParaRPr sz="900">
-              <a:solidFill>
-                <a:schemeClr val="dk1"/>
-              </a:solidFill>
-            </a:endParaRPr>
+              <a:rPr lang="en"/>
+              <a:t>Color helps as pick details out of a crowd.</a:t>
+            </a:r>
+            <a:endParaRPr/>
           </a:p>
         </p:txBody>
       </p:sp>
@@ -1512,7 +1185,7 @@
       </p:grpSpPr>
       <p:sp>
         <p:nvSpPr>
-          <p:cNvPr id="123" name="Google Shape;123;g64c49290d1_0_103:notes"/>
+          <p:cNvPr id="123" name="Google Shape;123;g64c49290d1_0_33:notes"/>
           <p:cNvSpPr/>
           <p:nvPr>
             <p:ph idx="2" type="sldImg"/>
@@ -1547,7 +1220,7 @@
       </p:sp>
       <p:sp>
         <p:nvSpPr>
-          <p:cNvPr id="124" name="Google Shape;124;g64c49290d1_0_103:notes"/>
+          <p:cNvPr id="124" name="Google Shape;124;g64c49290d1_0_33:notes"/>
           <p:cNvSpPr txBox="1"/>
           <p:nvPr>
             <p:ph idx="1" type="body"/>
@@ -1579,7 +1252,38 @@
             </a:pPr>
             <a:r>
               <a:rPr lang="en"/>
-              <a:t>In these examples, brightness is coupled with geometric area to convey information about the relative strength/size/importance of each data element</a:t>
+              <a:t>Our eyes are drawn to the color. </a:t>
+            </a:r>
+            <a:endParaRPr/>
+          </a:p>
+          <a:p>
+            <a:pPr indent="0" lvl="0" marL="0" rtl="0" algn="l">
+              <a:spcBef>
+                <a:spcPts val="0"/>
+              </a:spcBef>
+              <a:spcAft>
+                <a:spcPts val="0"/>
+              </a:spcAft>
+              <a:buNone/>
+            </a:pPr>
+            <a:r>
+              <a:t/>
+            </a:r>
+            <a:endParaRPr/>
+          </a:p>
+          <a:p>
+            <a:pPr indent="0" lvl="0" marL="0" rtl="0" algn="l">
+              <a:spcBef>
+                <a:spcPts val="0"/>
+              </a:spcBef>
+              <a:spcAft>
+                <a:spcPts val="0"/>
+              </a:spcAft>
+              <a:buNone/>
+            </a:pPr>
+            <a:r>
+              <a:rPr lang="en"/>
+              <a:t>You see this technique used in crowd scenes in movies and TV shows.</a:t>
             </a:r>
             <a:endParaRPr/>
           </a:p>
@@ -1598,7 +1302,7 @@
   <p:cSld>
     <p:spTree>
       <p:nvGrpSpPr>
-        <p:cNvPr id="129" name="Shape 129"/>
+        <p:cNvPr id="128" name="Shape 128"/>
         <p:cNvGrpSpPr/>
         <p:nvPr/>
       </p:nvGrpSpPr>
@@ -1612,7 +1316,7 @@
       </p:grpSpPr>
       <p:sp>
         <p:nvSpPr>
-          <p:cNvPr id="130" name="Google Shape;130;g64c49290d1_0_26:notes"/>
+          <p:cNvPr id="129" name="Google Shape;129;g64c49290d1_0_41:notes"/>
           <p:cNvSpPr/>
           <p:nvPr>
             <p:ph idx="2" type="sldImg"/>
@@ -1647,7 +1351,7 @@
       </p:sp>
       <p:sp>
         <p:nvSpPr>
-          <p:cNvPr id="131" name="Google Shape;131;g64c49290d1_0_26:notes"/>
+          <p:cNvPr id="130" name="Google Shape;130;g64c49290d1_0_41:notes"/>
           <p:cNvSpPr txBox="1"/>
           <p:nvPr>
             <p:ph idx="1" type="body"/>
@@ -1678,7 +1382,39 @@
               <a:buNone/>
             </a:pPr>
             <a:r>
+              <a:rPr lang="en"/>
+              <a:t>Too much color is as bad as none at all. </a:t>
+            </a:r>
+            <a:endParaRPr/>
+          </a:p>
+          <a:p>
+            <a:pPr indent="0" lvl="0" marL="0" rtl="0" algn="l">
+              <a:spcBef>
+                <a:spcPts val="0"/>
+              </a:spcBef>
+              <a:spcAft>
+                <a:spcPts val="0"/>
+              </a:spcAft>
+              <a:buNone/>
+            </a:pPr>
+            <a:r>
               <a:t/>
+            </a:r>
+            <a:endParaRPr/>
+          </a:p>
+          <a:p>
+            <a:pPr indent="0" lvl="0" marL="0" rtl="0" algn="l">
+              <a:spcBef>
+                <a:spcPts val="0"/>
+              </a:spcBef>
+              <a:spcAft>
+                <a:spcPts val="0"/>
+              </a:spcAft>
+              <a:buNone/>
+            </a:pPr>
+            <a:r>
+              <a:rPr lang="en"/>
+              <a:t>Remember: colors are accents. Also, black is an accent color in visualizations. </a:t>
             </a:r>
             <a:endParaRPr/>
           </a:p>
@@ -1697,7 +1433,7 @@
   <p:cSld>
     <p:spTree>
       <p:nvGrpSpPr>
-        <p:cNvPr id="135" name="Shape 135"/>
+        <p:cNvPr id="134" name="Shape 134"/>
         <p:cNvGrpSpPr/>
         <p:nvPr/>
       </p:nvGrpSpPr>
@@ -1711,7 +1447,7 @@
       </p:grpSpPr>
       <p:sp>
         <p:nvSpPr>
-          <p:cNvPr id="136" name="Google Shape;136;g64c49290d1_0_60:notes"/>
+          <p:cNvPr id="135" name="Google Shape;135;g64c49290d1_0_26:notes"/>
           <p:cNvSpPr/>
           <p:nvPr>
             <p:ph idx="2" type="sldImg"/>
@@ -1746,7 +1482,7 @@
       </p:sp>
       <p:sp>
         <p:nvSpPr>
-          <p:cNvPr id="137" name="Google Shape;137;g64c49290d1_0_60:notes"/>
+          <p:cNvPr id="136" name="Google Shape;136;g64c49290d1_0_26:notes"/>
           <p:cNvSpPr txBox="1"/>
           <p:nvPr>
             <p:ph idx="1" type="body"/>
@@ -1777,7 +1513,8 @@
               <a:buNone/>
             </a:pPr>
             <a:r>
-              <a:t/>
+              <a:rPr lang="en"/>
+              <a:t>Here is another visual explaining the difference between hue, saturation and brightness.</a:t>
             </a:r>
             <a:endParaRPr/>
           </a:p>
@@ -1796,7 +1533,7 @@
   <p:cSld>
     <p:spTree>
       <p:nvGrpSpPr>
-        <p:cNvPr id="141" name="Shape 141"/>
+        <p:cNvPr id="140" name="Shape 140"/>
         <p:cNvGrpSpPr/>
         <p:nvPr/>
       </p:nvGrpSpPr>
@@ -1810,7 +1547,7 @@
       </p:grpSpPr>
       <p:sp>
         <p:nvSpPr>
-          <p:cNvPr id="142" name="Google Shape;142;g64c49290d1_0_55:notes"/>
+          <p:cNvPr id="141" name="Google Shape;141;g64f0b5732f_0_5:notes"/>
           <p:cNvSpPr/>
           <p:nvPr>
             <p:ph idx="2" type="sldImg"/>
@@ -1845,7 +1582,7 @@
       </p:sp>
       <p:sp>
         <p:nvSpPr>
-          <p:cNvPr id="143" name="Google Shape;143;g64c49290d1_0_55:notes"/>
+          <p:cNvPr id="142" name="Google Shape;142;g64f0b5732f_0_5:notes"/>
           <p:cNvSpPr txBox="1"/>
           <p:nvPr>
             <p:ph idx="1" type="body"/>
@@ -1876,7 +1613,19 @@
               <a:buNone/>
             </a:pPr>
             <a:r>
-              <a:t/>
+              <a:rPr lang="en"/>
+              <a:t>Color blindness </a:t>
+            </a:r>
+            <a:r>
+              <a:rPr lang="en" sz="1200">
+                <a:solidFill>
+                  <a:srgbClr val="222222"/>
+                </a:solidFill>
+                <a:highlight>
+                  <a:srgbClr val="FFFFFF"/>
+                </a:highlight>
+              </a:rPr>
+              <a:t>affects approximately 1 in 12 men (8%) and 1 in 200 women in the world. There are 3 types (only 2 are shown), with red-green being the most common. Be aware of this when combining colors. </a:t>
             </a:r>
             <a:endParaRPr/>
           </a:p>
@@ -1895,7 +1644,7 @@
   <p:cSld>
     <p:spTree>
       <p:nvGrpSpPr>
-        <p:cNvPr id="147" name="Shape 147"/>
+        <p:cNvPr id="145" name="Shape 145"/>
         <p:cNvGrpSpPr/>
         <p:nvPr/>
       </p:nvGrpSpPr>
@@ -1909,7 +1658,7 @@
       </p:grpSpPr>
       <p:sp>
         <p:nvSpPr>
-          <p:cNvPr id="148" name="Google Shape;148;g64c49290d1_0_66:notes"/>
+          <p:cNvPr id="146" name="Google Shape;146;g64c49290d1_0_60:notes"/>
           <p:cNvSpPr/>
           <p:nvPr>
             <p:ph idx="2" type="sldImg"/>
@@ -1944,7 +1693,7 @@
       </p:sp>
       <p:sp>
         <p:nvSpPr>
-          <p:cNvPr id="149" name="Google Shape;149;g64c49290d1_0_66:notes"/>
+          <p:cNvPr id="147" name="Google Shape;147;g64c49290d1_0_60:notes"/>
           <p:cNvSpPr txBox="1"/>
           <p:nvPr>
             <p:ph idx="1" type="body"/>
@@ -1994,7 +1743,7 @@
   <p:cSld>
     <p:spTree>
       <p:nvGrpSpPr>
-        <p:cNvPr id="153" name="Shape 153"/>
+        <p:cNvPr id="151" name="Shape 151"/>
         <p:cNvGrpSpPr/>
         <p:nvPr/>
       </p:nvGrpSpPr>
@@ -2008,7 +1757,7 @@
       </p:grpSpPr>
       <p:sp>
         <p:nvSpPr>
-          <p:cNvPr id="154" name="Google Shape;154;g64c49290d1_0_81:notes"/>
+          <p:cNvPr id="152" name="Google Shape;152;g64f0b5732f_0_0:notes"/>
           <p:cNvSpPr/>
           <p:nvPr>
             <p:ph idx="2" type="sldImg"/>
@@ -2043,7 +1792,7 @@
       </p:sp>
       <p:sp>
         <p:nvSpPr>
-          <p:cNvPr id="155" name="Google Shape;155;g64c49290d1_0_81:notes"/>
+          <p:cNvPr id="153" name="Google Shape;153;g64f0b5732f_0_0:notes"/>
           <p:cNvSpPr txBox="1"/>
           <p:nvPr>
             <p:ph idx="1" type="body"/>
@@ -2093,7 +1842,7 @@
   <p:cSld>
     <p:spTree>
       <p:nvGrpSpPr>
-        <p:cNvPr id="160" name="Shape 160"/>
+        <p:cNvPr id="157" name="Shape 157"/>
         <p:cNvGrpSpPr/>
         <p:nvPr/>
       </p:nvGrpSpPr>
@@ -2107,7 +1856,7 @@
       </p:grpSpPr>
       <p:sp>
         <p:nvSpPr>
-          <p:cNvPr id="161" name="Google Shape;161;g64c49290d1_0_86:notes"/>
+          <p:cNvPr id="158" name="Google Shape;158;g64c49290d1_0_55:notes"/>
           <p:cNvSpPr/>
           <p:nvPr>
             <p:ph idx="2" type="sldImg"/>
@@ -2142,7 +1891,7 @@
       </p:sp>
       <p:sp>
         <p:nvSpPr>
-          <p:cNvPr id="162" name="Google Shape;162;g64c49290d1_0_86:notes"/>
+          <p:cNvPr id="159" name="Google Shape;159;g64c49290d1_0_55:notes"/>
           <p:cNvSpPr txBox="1"/>
           <p:nvPr>
             <p:ph idx="1" type="body"/>
@@ -2410,11 +2159,6 @@
               <a:spcAft>
                 <a:spcPts val="0"/>
               </a:spcAft>
-              <a:buClr>
-                <a:schemeClr val="dk1"/>
-              </a:buClr>
-              <a:buSzPts val="1100"/>
-              <a:buFont typeface="Arial"/>
               <a:buNone/>
             </a:pPr>
             <a:r>
@@ -2435,6 +2179,81 @@
           </a:p>
           <a:p>
             <a:pPr indent="0" lvl="0" marL="0" rtl="0" algn="l">
+              <a:lnSpc>
+                <a:spcPct val="115000"/>
+              </a:lnSpc>
+              <a:spcBef>
+                <a:spcPts val="1600"/>
+              </a:spcBef>
+              <a:spcAft>
+                <a:spcPts val="0"/>
+              </a:spcAft>
+              <a:buNone/>
+            </a:pPr>
+            <a:r>
+              <a:rPr lang="en" sz="1200">
+                <a:solidFill>
+                  <a:srgbClr val="404040"/>
+                </a:solidFill>
+                <a:highlight>
+                  <a:srgbClr val="F9F9F9"/>
+                </a:highlight>
+                <a:latin typeface="Roboto"/>
+                <a:ea typeface="Roboto"/>
+                <a:cs typeface="Roboto"/>
+                <a:sym typeface="Roboto"/>
+              </a:rPr>
+              <a:t>And, FAST!</a:t>
+            </a:r>
+            <a:endParaRPr sz="1200">
+              <a:solidFill>
+                <a:srgbClr val="404040"/>
+              </a:solidFill>
+              <a:highlight>
+                <a:srgbClr val="F9F9F9"/>
+              </a:highlight>
+              <a:latin typeface="Roboto"/>
+              <a:ea typeface="Roboto"/>
+              <a:cs typeface="Roboto"/>
+              <a:sym typeface="Roboto"/>
+            </a:endParaRPr>
+          </a:p>
+          <a:p>
+            <a:pPr indent="0" lvl="0" marL="0" rtl="0" algn="l">
+              <a:lnSpc>
+                <a:spcPct val="115000"/>
+              </a:lnSpc>
+              <a:spcBef>
+                <a:spcPts val="1600"/>
+              </a:spcBef>
+              <a:spcAft>
+                <a:spcPts val="0"/>
+              </a:spcAft>
+              <a:buClr>
+                <a:schemeClr val="dk1"/>
+              </a:buClr>
+              <a:buSzPts val="1100"/>
+              <a:buFont typeface="Arial"/>
+              <a:buNone/>
+            </a:pPr>
+            <a:r>
+              <a:t/>
+            </a:r>
+            <a:endParaRPr sz="1200">
+              <a:solidFill>
+                <a:srgbClr val="404040"/>
+              </a:solidFill>
+              <a:highlight>
+                <a:srgbClr val="F9F9F9"/>
+              </a:highlight>
+              <a:latin typeface="Roboto"/>
+              <a:ea typeface="Roboto"/>
+              <a:cs typeface="Roboto"/>
+              <a:sym typeface="Roboto"/>
+            </a:endParaRPr>
+          </a:p>
+          <a:p>
+            <a:pPr indent="0" lvl="0" marL="0" rtl="0" algn="l">
               <a:spcBef>
                 <a:spcPts val="1600"/>
               </a:spcBef>
@@ -2458,12 +2277,12 @@
 </p:notes>
 </file>
 
-<file path=ppt/notesSlides/notesSlide3.xml><?xml version="1.0" encoding="utf-8"?>
+<file path=ppt/notesSlides/notesSlide20.xml><?xml version="1.0" encoding="utf-8"?>
 <p:notes xmlns:a="http://schemas.openxmlformats.org/drawingml/2006/main" xmlns:r="http://schemas.openxmlformats.org/officeDocument/2006/relationships" xmlns:mc="http://schemas.openxmlformats.org/markup-compatibility/2006" xmlns:mv="urn:schemas-microsoft-com:mac:vml" xmlns:p="http://schemas.openxmlformats.org/presentationml/2006/main" xmlns:c="http://schemas.openxmlformats.org/drawingml/2006/chart" xmlns:dgm="http://schemas.openxmlformats.org/drawingml/2006/diagram" xmlns:o="urn:schemas-microsoft-com:office:office" xmlns:v="urn:schemas-microsoft-com:vml" xmlns:pvml="urn:schemas-microsoft-com:office:powerpoint" xmlns:com="http://schemas.openxmlformats.org/drawingml/2006/compatibility" xmlns:p14="http://schemas.microsoft.com/office/powerpoint/2010/main" xmlns:p15="http://schemas.microsoft.com/office/powerpoint/2012/main" showMasterPhAnim="0" showMasterSp="0">
   <p:cSld>
     <p:spTree>
       <p:nvGrpSpPr>
-        <p:cNvPr id="62" name="Shape 62"/>
+        <p:cNvPr id="163" name="Shape 163"/>
         <p:cNvGrpSpPr/>
         <p:nvPr/>
       </p:nvGrpSpPr>
@@ -2477,7 +2296,7 @@
       </p:grpSpPr>
       <p:sp>
         <p:nvSpPr>
-          <p:cNvPr id="63" name="Google Shape;63;g64c49290d1_0_11:notes"/>
+          <p:cNvPr id="164" name="Google Shape;164;g64c49290d1_0_66:notes"/>
           <p:cNvSpPr/>
           <p:nvPr>
             <p:ph idx="2" type="sldImg"/>
@@ -2512,7 +2331,7 @@
       </p:sp>
       <p:sp>
         <p:nvSpPr>
-          <p:cNvPr id="64" name="Google Shape;64;g64c49290d1_0_11:notes"/>
+          <p:cNvPr id="165" name="Google Shape;165;g64c49290d1_0_66:notes"/>
           <p:cNvSpPr txBox="1"/>
           <p:nvPr>
             <p:ph idx="1" type="body"/>
@@ -2557,12 +2376,12 @@
 </p:notes>
 </file>
 
-<file path=ppt/notesSlides/notesSlide4.xml><?xml version="1.0" encoding="utf-8"?>
+<file path=ppt/notesSlides/notesSlide21.xml><?xml version="1.0" encoding="utf-8"?>
 <p:notes xmlns:a="http://schemas.openxmlformats.org/drawingml/2006/main" xmlns:r="http://schemas.openxmlformats.org/officeDocument/2006/relationships" xmlns:mc="http://schemas.openxmlformats.org/markup-compatibility/2006" xmlns:mv="urn:schemas-microsoft-com:mac:vml" xmlns:p="http://schemas.openxmlformats.org/presentationml/2006/main" xmlns:c="http://schemas.openxmlformats.org/drawingml/2006/chart" xmlns:dgm="http://schemas.openxmlformats.org/drawingml/2006/diagram" xmlns:o="urn:schemas-microsoft-com:office:office" xmlns:v="urn:schemas-microsoft-com:vml" xmlns:pvml="urn:schemas-microsoft-com:office:powerpoint" xmlns:com="http://schemas.openxmlformats.org/drawingml/2006/compatibility" xmlns:p14="http://schemas.microsoft.com/office/powerpoint/2010/main" xmlns:p15="http://schemas.microsoft.com/office/powerpoint/2012/main" showMasterPhAnim="0" showMasterSp="0">
   <p:cSld>
     <p:spTree>
       <p:nvGrpSpPr>
-        <p:cNvPr id="68" name="Shape 68"/>
+        <p:cNvPr id="169" name="Shape 169"/>
         <p:cNvGrpSpPr/>
         <p:nvPr/>
       </p:nvGrpSpPr>
@@ -2576,7 +2395,7 @@
       </p:grpSpPr>
       <p:sp>
         <p:nvSpPr>
-          <p:cNvPr id="69" name="Google Shape;69;g64c49290d1_0_16:notes"/>
+          <p:cNvPr id="170" name="Google Shape;170;g64c49290d1_0_81:notes"/>
           <p:cNvSpPr/>
           <p:nvPr>
             <p:ph idx="2" type="sldImg"/>
@@ -2611,7 +2430,7 @@
       </p:sp>
       <p:sp>
         <p:nvSpPr>
-          <p:cNvPr id="70" name="Google Shape;70;g64c49290d1_0_16:notes"/>
+          <p:cNvPr id="171" name="Google Shape;171;g64c49290d1_0_81:notes"/>
           <p:cNvSpPr txBox="1"/>
           <p:nvPr>
             <p:ph idx="1" type="body"/>
@@ -2656,12 +2475,12 @@
 </p:notes>
 </file>
 
-<file path=ppt/notesSlides/notesSlide5.xml><?xml version="1.0" encoding="utf-8"?>
+<file path=ppt/notesSlides/notesSlide22.xml><?xml version="1.0" encoding="utf-8"?>
 <p:notes xmlns:a="http://schemas.openxmlformats.org/drawingml/2006/main" xmlns:r="http://schemas.openxmlformats.org/officeDocument/2006/relationships" xmlns:mc="http://schemas.openxmlformats.org/markup-compatibility/2006" xmlns:mv="urn:schemas-microsoft-com:mac:vml" xmlns:p="http://schemas.openxmlformats.org/presentationml/2006/main" xmlns:c="http://schemas.openxmlformats.org/drawingml/2006/chart" xmlns:dgm="http://schemas.openxmlformats.org/drawingml/2006/diagram" xmlns:o="urn:schemas-microsoft-com:office:office" xmlns:v="urn:schemas-microsoft-com:vml" xmlns:pvml="urn:schemas-microsoft-com:office:powerpoint" xmlns:com="http://schemas.openxmlformats.org/drawingml/2006/compatibility" xmlns:p14="http://schemas.microsoft.com/office/powerpoint/2010/main" xmlns:p15="http://schemas.microsoft.com/office/powerpoint/2012/main" showMasterPhAnim="0" showMasterSp="0">
   <p:cSld>
     <p:spTree>
       <p:nvGrpSpPr>
-        <p:cNvPr id="74" name="Shape 74"/>
+        <p:cNvPr id="176" name="Shape 176"/>
         <p:cNvGrpSpPr/>
         <p:nvPr/>
       </p:nvGrpSpPr>
@@ -2675,7 +2494,7 @@
       </p:grpSpPr>
       <p:sp>
         <p:nvSpPr>
-          <p:cNvPr id="75" name="Google Shape;75;g64c49290d1_0_21:notes"/>
+          <p:cNvPr id="177" name="Google Shape;177;g64c49290d1_0_86:notes"/>
           <p:cNvSpPr/>
           <p:nvPr>
             <p:ph idx="2" type="sldImg"/>
@@ -2710,7 +2529,7 @@
       </p:sp>
       <p:sp>
         <p:nvSpPr>
-          <p:cNvPr id="76" name="Google Shape;76;g64c49290d1_0_21:notes"/>
+          <p:cNvPr id="178" name="Google Shape;178;g64c49290d1_0_86:notes"/>
           <p:cNvSpPr txBox="1"/>
           <p:nvPr>
             <p:ph idx="1" type="body"/>
@@ -2755,12 +2574,12 @@
 </p:notes>
 </file>
 
-<file path=ppt/notesSlides/notesSlide6.xml><?xml version="1.0" encoding="utf-8"?>
+<file path=ppt/notesSlides/notesSlide3.xml><?xml version="1.0" encoding="utf-8"?>
 <p:notes xmlns:a="http://schemas.openxmlformats.org/drawingml/2006/main" xmlns:r="http://schemas.openxmlformats.org/officeDocument/2006/relationships" xmlns:mc="http://schemas.openxmlformats.org/markup-compatibility/2006" xmlns:mv="urn:schemas-microsoft-com:mac:vml" xmlns:p="http://schemas.openxmlformats.org/presentationml/2006/main" xmlns:c="http://schemas.openxmlformats.org/drawingml/2006/chart" xmlns:dgm="http://schemas.openxmlformats.org/drawingml/2006/diagram" xmlns:o="urn:schemas-microsoft-com:office:office" xmlns:v="urn:schemas-microsoft-com:vml" xmlns:pvml="urn:schemas-microsoft-com:office:powerpoint" xmlns:com="http://schemas.openxmlformats.org/drawingml/2006/compatibility" xmlns:p14="http://schemas.microsoft.com/office/powerpoint/2010/main" xmlns:p15="http://schemas.microsoft.com/office/powerpoint/2012/main" showMasterPhAnim="0" showMasterSp="0">
   <p:cSld>
     <p:spTree>
       <p:nvGrpSpPr>
-        <p:cNvPr id="80" name="Shape 80"/>
+        <p:cNvPr id="63" name="Shape 63"/>
         <p:cNvGrpSpPr/>
         <p:nvPr/>
       </p:nvGrpSpPr>
@@ -2774,7 +2593,7 @@
       </p:grpSpPr>
       <p:sp>
         <p:nvSpPr>
-          <p:cNvPr id="81" name="Google Shape;81;g64c49290d1_0_71:notes"/>
+          <p:cNvPr id="64" name="Google Shape;64;g64c49290d1_0_11:notes"/>
           <p:cNvSpPr/>
           <p:nvPr>
             <p:ph idx="2" type="sldImg"/>
@@ -2809,7 +2628,7 @@
       </p:sp>
       <p:sp>
         <p:nvSpPr>
-          <p:cNvPr id="82" name="Google Shape;82;g64c49290d1_0_71:notes"/>
+          <p:cNvPr id="65" name="Google Shape;65;g64c49290d1_0_11:notes"/>
           <p:cNvSpPr txBox="1"/>
           <p:nvPr>
             <p:ph idx="1" type="body"/>
@@ -2841,114 +2660,45 @@
             </a:pPr>
             <a:r>
               <a:rPr lang="en"/>
-              <a:t>Let’s explore what we mean by these 3 concepts. </a:t>
-            </a:r>
-            <a:r>
-              <a:rPr lang="en" sz="1400">
-                <a:solidFill>
-                  <a:srgbClr val="404040"/>
-                </a:solidFill>
-                <a:latin typeface="Roboto"/>
-                <a:ea typeface="Roboto"/>
-                <a:cs typeface="Roboto"/>
-                <a:sym typeface="Roboto"/>
-              </a:rPr>
-              <a:t>Hue is a measure of the color that we give a name to such as “Red” or “Violet”. Saturation and lightness are a measure of color intensity.</a:t>
-            </a:r>
-            <a:endParaRPr sz="1400">
-              <a:solidFill>
-                <a:srgbClr val="404040"/>
-              </a:solidFill>
-              <a:latin typeface="Roboto"/>
-              <a:ea typeface="Roboto"/>
-              <a:cs typeface="Roboto"/>
-              <a:sym typeface="Roboto"/>
-            </a:endParaRPr>
+              <a:t>Our brain does some things faster than others. How long do you think it takes for your brain to respond to preattentive attributes?</a:t>
+            </a:r>
+            <a:endParaRPr/>
           </a:p>
           <a:p>
             <a:pPr indent="0" lvl="0" marL="0" rtl="0" algn="l">
-              <a:lnSpc>
-                <a:spcPct val="160000"/>
-              </a:lnSpc>
-              <a:spcBef>
-                <a:spcPts val="0"/>
-              </a:spcBef>
-              <a:spcAft>
-                <a:spcPts val="0"/>
-              </a:spcAft>
-              <a:buClr>
-                <a:schemeClr val="dk1"/>
-              </a:buClr>
-              <a:buSzPts val="1100"/>
-              <a:buFont typeface="Arial"/>
-              <a:buNone/>
-            </a:pPr>
-            <a:r>
-              <a:rPr lang="en" sz="1400">
-                <a:solidFill>
-                  <a:srgbClr val="404040"/>
-                </a:solidFill>
-                <a:latin typeface="Roboto"/>
-                <a:ea typeface="Roboto"/>
-                <a:cs typeface="Roboto"/>
-                <a:sym typeface="Roboto"/>
-              </a:rPr>
-              <a:t>Hues and intensities are preattentively processed and can be used to separate visual elements from their surroundings. </a:t>
-            </a:r>
-            <a:endParaRPr sz="1400">
-              <a:solidFill>
-                <a:srgbClr val="404040"/>
-              </a:solidFill>
-              <a:latin typeface="Roboto"/>
-              <a:ea typeface="Roboto"/>
-              <a:cs typeface="Roboto"/>
-              <a:sym typeface="Roboto"/>
-            </a:endParaRPr>
+              <a:spcBef>
+                <a:spcPts val="0"/>
+              </a:spcBef>
+              <a:spcAft>
+                <a:spcPts val="0"/>
+              </a:spcAft>
+              <a:buNone/>
+            </a:pPr>
+            <a:r>
+              <a:t/>
+            </a:r>
+            <a:endParaRPr/>
           </a:p>
           <a:p>
             <a:pPr indent="0" lvl="0" marL="0" rtl="0" algn="l">
-              <a:lnSpc>
-                <a:spcPct val="160000"/>
-              </a:lnSpc>
-              <a:spcBef>
-                <a:spcPts val="1500"/>
-              </a:spcBef>
-              <a:spcAft>
-                <a:spcPts val="0"/>
-              </a:spcAft>
-              <a:buClr>
-                <a:schemeClr val="dk1"/>
-              </a:buClr>
-              <a:buSzPts val="1100"/>
-              <a:buFont typeface="Arial"/>
-              <a:buNone/>
-            </a:pPr>
-            <a:r>
-              <a:rPr lang="en" sz="1400">
-                <a:solidFill>
-                  <a:srgbClr val="404040"/>
-                </a:solidFill>
-                <a:latin typeface="Roboto"/>
-                <a:ea typeface="Roboto"/>
-                <a:cs typeface="Roboto"/>
-                <a:sym typeface="Roboto"/>
-              </a:rPr>
-              <a:t>This saves the user from having to perform a visual search through data.</a:t>
-            </a:r>
-            <a:endParaRPr sz="1400">
-              <a:solidFill>
-                <a:srgbClr val="404040"/>
-              </a:solidFill>
-              <a:latin typeface="Roboto"/>
-              <a:ea typeface="Roboto"/>
-              <a:cs typeface="Roboto"/>
-              <a:sym typeface="Roboto"/>
-            </a:endParaRPr>
+              <a:spcBef>
+                <a:spcPts val="0"/>
+              </a:spcBef>
+              <a:spcAft>
+                <a:spcPts val="0"/>
+              </a:spcAft>
+              <a:buNone/>
+            </a:pPr>
+            <a:r>
+              <a:rPr lang="en"/>
+              <a:t>Half  a second. Time enough to react without thinking. </a:t>
+            </a:r>
+            <a:endParaRPr/>
           </a:p>
           <a:p>
             <a:pPr indent="0" lvl="0" marL="0" rtl="0" algn="l">
               <a:spcBef>
-                <a:spcPts val="1500"/>
+                <a:spcPts val="0"/>
               </a:spcBef>
               <a:spcAft>
                 <a:spcPts val="0"/>
@@ -2957,6 +2707,22 @@
             </a:pPr>
             <a:r>
               <a:t/>
+            </a:r>
+            <a:endParaRPr/>
+          </a:p>
+          <a:p>
+            <a:pPr indent="0" lvl="0" marL="0" rtl="0" algn="l">
+              <a:spcBef>
+                <a:spcPts val="0"/>
+              </a:spcBef>
+              <a:spcAft>
+                <a:spcPts val="0"/>
+              </a:spcAft>
+              <a:buNone/>
+            </a:pPr>
+            <a:r>
+              <a:rPr lang="en"/>
+              <a:t>Split-second decisions are real.</a:t>
             </a:r>
             <a:endParaRPr/>
           </a:p>
@@ -2970,12 +2736,12 @@
 </p:notes>
 </file>
 
-<file path=ppt/notesSlides/notesSlide7.xml><?xml version="1.0" encoding="utf-8"?>
+<file path=ppt/notesSlides/notesSlide4.xml><?xml version="1.0" encoding="utf-8"?>
 <p:notes xmlns:a="http://schemas.openxmlformats.org/drawingml/2006/main" xmlns:r="http://schemas.openxmlformats.org/officeDocument/2006/relationships" xmlns:mc="http://schemas.openxmlformats.org/markup-compatibility/2006" xmlns:mv="urn:schemas-microsoft-com:mac:vml" xmlns:p="http://schemas.openxmlformats.org/presentationml/2006/main" xmlns:c="http://schemas.openxmlformats.org/drawingml/2006/chart" xmlns:dgm="http://schemas.openxmlformats.org/drawingml/2006/diagram" xmlns:o="urn:schemas-microsoft-com:office:office" xmlns:v="urn:schemas-microsoft-com:vml" xmlns:pvml="urn:schemas-microsoft-com:office:powerpoint" xmlns:com="http://schemas.openxmlformats.org/drawingml/2006/compatibility" xmlns:p14="http://schemas.microsoft.com/office/powerpoint/2010/main" xmlns:p15="http://schemas.microsoft.com/office/powerpoint/2012/main" showMasterPhAnim="0" showMasterSp="0">
   <p:cSld>
     <p:spTree>
       <p:nvGrpSpPr>
-        <p:cNvPr id="86" name="Shape 86"/>
+        <p:cNvPr id="70" name="Shape 70"/>
         <p:cNvGrpSpPr/>
         <p:nvPr/>
       </p:nvGrpSpPr>
@@ -2989,7 +2755,7 @@
       </p:grpSpPr>
       <p:sp>
         <p:nvSpPr>
-          <p:cNvPr id="87" name="Google Shape;87;g64c49290d1_0_91:notes"/>
+          <p:cNvPr id="71" name="Google Shape;71;g64c49290d1_0_16:notes"/>
           <p:cNvSpPr/>
           <p:nvPr>
             <p:ph idx="2" type="sldImg"/>
@@ -3024,7 +2790,7 @@
       </p:sp>
       <p:sp>
         <p:nvSpPr>
-          <p:cNvPr id="88" name="Google Shape;88;g64c49290d1_0_91:notes"/>
+          <p:cNvPr id="72" name="Google Shape;72;g64c49290d1_0_16:notes"/>
           <p:cNvSpPr txBox="1"/>
           <p:nvPr>
             <p:ph idx="1" type="body"/>
@@ -3056,69 +2822,7 @@
             </a:pPr>
             <a:r>
               <a:rPr lang="en"/>
-              <a:t>Hue is the easiest color concept to understand.</a:t>
-            </a:r>
-            <a:endParaRPr/>
-          </a:p>
-          <a:p>
-            <a:pPr indent="0" lvl="0" marL="0" rtl="0" algn="l">
-              <a:spcBef>
-                <a:spcPts val="0"/>
-              </a:spcBef>
-              <a:spcAft>
-                <a:spcPts val="0"/>
-              </a:spcAft>
-              <a:buNone/>
-            </a:pPr>
-            <a:r>
-              <a:t/>
-            </a:r>
-            <a:endParaRPr/>
-          </a:p>
-          <a:p>
-            <a:pPr indent="0" lvl="0" marL="0" rtl="0" algn="l">
-              <a:spcBef>
-                <a:spcPts val="0"/>
-              </a:spcBef>
-              <a:spcAft>
-                <a:spcPts val="0"/>
-              </a:spcAft>
-              <a:buNone/>
-            </a:pPr>
-            <a:r>
-              <a:rPr lang="en"/>
-              <a:t>Example of how hue changes during the ripening process. </a:t>
-            </a:r>
-            <a:endParaRPr/>
-          </a:p>
-          <a:p>
-            <a:pPr indent="0" lvl="0" marL="0" rtl="0" algn="l">
-              <a:spcBef>
-                <a:spcPts val="0"/>
-              </a:spcBef>
-              <a:spcAft>
-                <a:spcPts val="0"/>
-              </a:spcAft>
-              <a:buNone/>
-            </a:pPr>
-            <a:r>
-              <a:t/>
-            </a:r>
-            <a:endParaRPr/>
-          </a:p>
-          <a:p>
-            <a:pPr indent="0" lvl="0" marL="0" rtl="0" algn="l">
-              <a:spcBef>
-                <a:spcPts val="0"/>
-              </a:spcBef>
-              <a:spcAft>
-                <a:spcPts val="0"/>
-              </a:spcAft>
-              <a:buNone/>
-            </a:pPr>
-            <a:r>
-              <a:rPr lang="en"/>
-              <a:t>What number represents your ideal eating banana? Making banana bread?</a:t>
+              <a:t>What are the 4 properities of preattentive attributes</a:t>
             </a:r>
             <a:endParaRPr/>
           </a:p>
@@ -3132,12 +2836,12 @@
 </p:notes>
 </file>
 
-<file path=ppt/notesSlides/notesSlide8.xml><?xml version="1.0" encoding="utf-8"?>
+<file path=ppt/notesSlides/notesSlide5.xml><?xml version="1.0" encoding="utf-8"?>
 <p:notes xmlns:a="http://schemas.openxmlformats.org/drawingml/2006/main" xmlns:r="http://schemas.openxmlformats.org/officeDocument/2006/relationships" xmlns:mc="http://schemas.openxmlformats.org/markup-compatibility/2006" xmlns:mv="urn:schemas-microsoft-com:mac:vml" xmlns:p="http://schemas.openxmlformats.org/presentationml/2006/main" xmlns:c="http://schemas.openxmlformats.org/drawingml/2006/chart" xmlns:dgm="http://schemas.openxmlformats.org/drawingml/2006/diagram" xmlns:o="urn:schemas-microsoft-com:office:office" xmlns:v="urn:schemas-microsoft-com:vml" xmlns:pvml="urn:schemas-microsoft-com:office:powerpoint" xmlns:com="http://schemas.openxmlformats.org/drawingml/2006/compatibility" xmlns:p14="http://schemas.microsoft.com/office/powerpoint/2010/main" xmlns:p15="http://schemas.microsoft.com/office/powerpoint/2012/main" showMasterPhAnim="0" showMasterSp="0">
   <p:cSld>
     <p:spTree>
       <p:nvGrpSpPr>
-        <p:cNvPr id="92" name="Shape 92"/>
+        <p:cNvPr id="76" name="Shape 76"/>
         <p:cNvGrpSpPr/>
         <p:nvPr/>
       </p:nvGrpSpPr>
@@ -3151,7 +2855,7 @@
       </p:grpSpPr>
       <p:sp>
         <p:nvSpPr>
-          <p:cNvPr id="93" name="Google Shape;93;g64c49290d1_0_46:notes"/>
+          <p:cNvPr id="77" name="Google Shape;77;g64c49290d1_0_21:notes"/>
           <p:cNvSpPr/>
           <p:nvPr>
             <p:ph idx="2" type="sldImg"/>
@@ -3186,7 +2890,7 @@
       </p:sp>
       <p:sp>
         <p:nvSpPr>
-          <p:cNvPr id="94" name="Google Shape;94;g64c49290d1_0_46:notes"/>
+          <p:cNvPr id="78" name="Google Shape;78;g64c49290d1_0_21:notes"/>
           <p:cNvSpPr txBox="1"/>
           <p:nvPr>
             <p:ph idx="1" type="body"/>
@@ -3217,7 +2921,8 @@
               <a:buNone/>
             </a:pPr>
             <a:r>
-              <a:t/>
+              <a:rPr lang="en"/>
+              <a:t>Color is comprised of 3 elements.</a:t>
             </a:r>
             <a:endParaRPr/>
           </a:p>
@@ -3231,12 +2936,12 @@
 </p:notes>
 </file>
 
-<file path=ppt/notesSlides/notesSlide9.xml><?xml version="1.0" encoding="utf-8"?>
+<file path=ppt/notesSlides/notesSlide6.xml><?xml version="1.0" encoding="utf-8"?>
 <p:notes xmlns:a="http://schemas.openxmlformats.org/drawingml/2006/main" xmlns:r="http://schemas.openxmlformats.org/officeDocument/2006/relationships" xmlns:mc="http://schemas.openxmlformats.org/markup-compatibility/2006" xmlns:mv="urn:schemas-microsoft-com:mac:vml" xmlns:p="http://schemas.openxmlformats.org/presentationml/2006/main" xmlns:c="http://schemas.openxmlformats.org/drawingml/2006/chart" xmlns:dgm="http://schemas.openxmlformats.org/drawingml/2006/diagram" xmlns:o="urn:schemas-microsoft-com:office:office" xmlns:v="urn:schemas-microsoft-com:vml" xmlns:pvml="urn:schemas-microsoft-com:office:powerpoint" xmlns:com="http://schemas.openxmlformats.org/drawingml/2006/compatibility" xmlns:p14="http://schemas.microsoft.com/office/powerpoint/2010/main" xmlns:p15="http://schemas.microsoft.com/office/powerpoint/2012/main" showMasterPhAnim="0" showMasterSp="0">
   <p:cSld>
     <p:spTree>
       <p:nvGrpSpPr>
-        <p:cNvPr id="98" name="Shape 98"/>
+        <p:cNvPr id="81" name="Shape 81"/>
         <p:cNvGrpSpPr/>
         <p:nvPr/>
       </p:nvGrpSpPr>
@@ -3250,7 +2955,7 @@
       </p:grpSpPr>
       <p:sp>
         <p:nvSpPr>
-          <p:cNvPr id="99" name="Google Shape;99;g64c49290d1_0_33:notes"/>
+          <p:cNvPr id="82" name="Google Shape;82;g64c49290d1_0_71:notes"/>
           <p:cNvSpPr/>
           <p:nvPr>
             <p:ph idx="2" type="sldImg"/>
@@ -3285,7 +2990,7 @@
       </p:sp>
       <p:sp>
         <p:nvSpPr>
-          <p:cNvPr id="100" name="Google Shape;100;g64c49290d1_0_33:notes"/>
+          <p:cNvPr id="83" name="Google Shape;83;g64c49290d1_0_71:notes"/>
           <p:cNvSpPr txBox="1"/>
           <p:nvPr>
             <p:ph idx="1" type="body"/>
@@ -3316,10 +3021,1033 @@
               <a:buNone/>
             </a:pPr>
             <a:r>
+              <a:rPr lang="en" sz="1400"/>
+              <a:t>Let’s explore what we mean by these 3 concepts. </a:t>
+            </a:r>
+            <a:endParaRPr sz="1400"/>
+          </a:p>
+          <a:p>
+            <a:pPr indent="0" lvl="0" marL="0" rtl="0" algn="l">
+              <a:spcBef>
+                <a:spcPts val="0"/>
+              </a:spcBef>
+              <a:spcAft>
+                <a:spcPts val="0"/>
+              </a:spcAft>
+              <a:buNone/>
+            </a:pPr>
+            <a:r>
+              <a:t/>
+            </a:r>
+            <a:endParaRPr sz="1400">
+              <a:solidFill>
+                <a:srgbClr val="404040"/>
+              </a:solidFill>
+              <a:latin typeface="Roboto"/>
+              <a:ea typeface="Roboto"/>
+              <a:cs typeface="Roboto"/>
+              <a:sym typeface="Roboto"/>
+            </a:endParaRPr>
+          </a:p>
+          <a:p>
+            <a:pPr indent="0" lvl="0" marL="0" rtl="0" algn="l">
+              <a:spcBef>
+                <a:spcPts val="0"/>
+              </a:spcBef>
+              <a:spcAft>
+                <a:spcPts val="0"/>
+              </a:spcAft>
+              <a:buNone/>
+            </a:pPr>
+            <a:r>
+              <a:rPr lang="en" sz="1400">
+                <a:solidFill>
+                  <a:srgbClr val="404040"/>
+                </a:solidFill>
+                <a:latin typeface="Roboto"/>
+                <a:ea typeface="Roboto"/>
+                <a:cs typeface="Roboto"/>
+                <a:sym typeface="Roboto"/>
+              </a:rPr>
+              <a:t>Hue is a measure of the color that we give a name to such as “Red” or “Violet”. </a:t>
+            </a:r>
+            <a:endParaRPr sz="1400">
+              <a:solidFill>
+                <a:srgbClr val="404040"/>
+              </a:solidFill>
+              <a:latin typeface="Roboto"/>
+              <a:ea typeface="Roboto"/>
+              <a:cs typeface="Roboto"/>
+              <a:sym typeface="Roboto"/>
+            </a:endParaRPr>
+          </a:p>
+          <a:p>
+            <a:pPr indent="0" lvl="0" marL="0" rtl="0" algn="l">
+              <a:spcBef>
+                <a:spcPts val="0"/>
+              </a:spcBef>
+              <a:spcAft>
+                <a:spcPts val="0"/>
+              </a:spcAft>
+              <a:buNone/>
+            </a:pPr>
+            <a:r>
+              <a:t/>
+            </a:r>
+            <a:endParaRPr sz="1400">
+              <a:solidFill>
+                <a:srgbClr val="404040"/>
+              </a:solidFill>
+              <a:latin typeface="Roboto"/>
+              <a:ea typeface="Roboto"/>
+              <a:cs typeface="Roboto"/>
+              <a:sym typeface="Roboto"/>
+            </a:endParaRPr>
+          </a:p>
+          <a:p>
+            <a:pPr indent="0" lvl="0" marL="0" rtl="0" algn="l">
+              <a:spcBef>
+                <a:spcPts val="0"/>
+              </a:spcBef>
+              <a:spcAft>
+                <a:spcPts val="0"/>
+              </a:spcAft>
+              <a:buNone/>
+            </a:pPr>
+            <a:r>
+              <a:rPr lang="en" sz="1400">
+                <a:solidFill>
+                  <a:srgbClr val="404040"/>
+                </a:solidFill>
+                <a:latin typeface="Roboto"/>
+                <a:ea typeface="Roboto"/>
+                <a:cs typeface="Roboto"/>
+                <a:sym typeface="Roboto"/>
+              </a:rPr>
+              <a:t>Saturation and lightness/brightness are a measure of color intensity.</a:t>
+            </a:r>
+            <a:endParaRPr sz="1400">
+              <a:solidFill>
+                <a:srgbClr val="404040"/>
+              </a:solidFill>
+              <a:latin typeface="Roboto"/>
+              <a:ea typeface="Roboto"/>
+              <a:cs typeface="Roboto"/>
+              <a:sym typeface="Roboto"/>
+            </a:endParaRPr>
+          </a:p>
+          <a:p>
+            <a:pPr indent="0" lvl="0" marL="0" rtl="0" algn="l">
+              <a:spcBef>
+                <a:spcPts val="0"/>
+              </a:spcBef>
+              <a:spcAft>
+                <a:spcPts val="0"/>
+              </a:spcAft>
+              <a:buNone/>
+            </a:pPr>
+            <a:r>
+              <a:t/>
+            </a:r>
+            <a:endParaRPr sz="1400">
+              <a:solidFill>
+                <a:srgbClr val="404040"/>
+              </a:solidFill>
+              <a:latin typeface="Roboto"/>
+              <a:ea typeface="Roboto"/>
+              <a:cs typeface="Roboto"/>
+              <a:sym typeface="Roboto"/>
+            </a:endParaRPr>
+          </a:p>
+          <a:p>
+            <a:pPr indent="0" lvl="0" marL="0" rtl="0" algn="l">
+              <a:lnSpc>
+                <a:spcPct val="160000"/>
+              </a:lnSpc>
+              <a:spcBef>
+                <a:spcPts val="0"/>
+              </a:spcBef>
+              <a:spcAft>
+                <a:spcPts val="0"/>
+              </a:spcAft>
+              <a:buClr>
+                <a:schemeClr val="dk1"/>
+              </a:buClr>
+              <a:buSzPts val="1100"/>
+              <a:buFont typeface="Arial"/>
+              <a:buNone/>
+            </a:pPr>
+            <a:r>
+              <a:rPr lang="en" sz="1400">
+                <a:solidFill>
+                  <a:srgbClr val="404040"/>
+                </a:solidFill>
+                <a:latin typeface="Roboto"/>
+                <a:ea typeface="Roboto"/>
+                <a:cs typeface="Roboto"/>
+                <a:sym typeface="Roboto"/>
+              </a:rPr>
+              <a:t>Hues and intensities help us separate visual elements from their surroundings. </a:t>
+            </a:r>
+            <a:endParaRPr sz="1400">
+              <a:solidFill>
+                <a:srgbClr val="404040"/>
+              </a:solidFill>
+              <a:latin typeface="Roboto"/>
+              <a:ea typeface="Roboto"/>
+              <a:cs typeface="Roboto"/>
+              <a:sym typeface="Roboto"/>
+            </a:endParaRPr>
+          </a:p>
+          <a:p>
+            <a:pPr indent="0" lvl="0" marL="0" rtl="0" algn="l">
+              <a:lnSpc>
+                <a:spcPct val="160000"/>
+              </a:lnSpc>
+              <a:spcBef>
+                <a:spcPts val="1500"/>
+              </a:spcBef>
+              <a:spcAft>
+                <a:spcPts val="0"/>
+              </a:spcAft>
+              <a:buClr>
+                <a:schemeClr val="dk1"/>
+              </a:buClr>
+              <a:buSzPts val="1100"/>
+              <a:buFont typeface="Arial"/>
+              <a:buNone/>
+            </a:pPr>
+            <a:r>
+              <a:rPr lang="en" sz="1400">
+                <a:solidFill>
+                  <a:srgbClr val="404040"/>
+                </a:solidFill>
+                <a:latin typeface="Roboto"/>
+                <a:ea typeface="Roboto"/>
+                <a:cs typeface="Roboto"/>
+                <a:sym typeface="Roboto"/>
+              </a:rPr>
+              <a:t>This saves the user from having to perform a visual search through data.</a:t>
+            </a:r>
+            <a:endParaRPr sz="1400">
+              <a:solidFill>
+                <a:srgbClr val="404040"/>
+              </a:solidFill>
+              <a:latin typeface="Roboto"/>
+              <a:ea typeface="Roboto"/>
+              <a:cs typeface="Roboto"/>
+              <a:sym typeface="Roboto"/>
+            </a:endParaRPr>
+          </a:p>
+          <a:p>
+            <a:pPr indent="0" lvl="0" marL="0" rtl="0" algn="l">
+              <a:lnSpc>
+                <a:spcPct val="160000"/>
+              </a:lnSpc>
+              <a:spcBef>
+                <a:spcPts val="1500"/>
+              </a:spcBef>
+              <a:spcAft>
+                <a:spcPts val="0"/>
+              </a:spcAft>
+              <a:buClr>
+                <a:schemeClr val="dk1"/>
+              </a:buClr>
+              <a:buSzPts val="1100"/>
+              <a:buFont typeface="Arial"/>
+              <a:buNone/>
+            </a:pPr>
+            <a:r>
+              <a:rPr lang="en" sz="1400">
+                <a:solidFill>
+                  <a:srgbClr val="404040"/>
+                </a:solidFill>
+                <a:latin typeface="Roboto"/>
+                <a:ea typeface="Roboto"/>
+                <a:cs typeface="Roboto"/>
+                <a:sym typeface="Roboto"/>
+              </a:rPr>
+              <a:t>Here are some examples</a:t>
+            </a:r>
+            <a:endParaRPr sz="1400">
+              <a:solidFill>
+                <a:srgbClr val="404040"/>
+              </a:solidFill>
+              <a:latin typeface="Roboto"/>
+              <a:ea typeface="Roboto"/>
+              <a:cs typeface="Roboto"/>
+              <a:sym typeface="Roboto"/>
+            </a:endParaRPr>
+          </a:p>
+          <a:p>
+            <a:pPr indent="0" lvl="0" marL="0" rtl="0" algn="l">
+              <a:spcBef>
+                <a:spcPts val="1500"/>
+              </a:spcBef>
+              <a:spcAft>
+                <a:spcPts val="0"/>
+              </a:spcAft>
+              <a:buNone/>
+            </a:pPr>
+            <a:r>
+              <a:t/>
+            </a:r>
+            <a:endParaRPr/>
+          </a:p>
+        </p:txBody>
+      </p:sp>
+    </p:spTree>
+  </p:cSld>
+  <p:clrMapOvr>
+    <a:masterClrMapping/>
+  </p:clrMapOvr>
+</p:notes>
+</file>
+
+<file path=ppt/notesSlides/notesSlide7.xml><?xml version="1.0" encoding="utf-8"?>
+<p:notes xmlns:a="http://schemas.openxmlformats.org/drawingml/2006/main" xmlns:r="http://schemas.openxmlformats.org/officeDocument/2006/relationships" xmlns:mc="http://schemas.openxmlformats.org/markup-compatibility/2006" xmlns:mv="urn:schemas-microsoft-com:mac:vml" xmlns:p="http://schemas.openxmlformats.org/presentationml/2006/main" xmlns:c="http://schemas.openxmlformats.org/drawingml/2006/chart" xmlns:dgm="http://schemas.openxmlformats.org/drawingml/2006/diagram" xmlns:o="urn:schemas-microsoft-com:office:office" xmlns:v="urn:schemas-microsoft-com:vml" xmlns:pvml="urn:schemas-microsoft-com:office:powerpoint" xmlns:com="http://schemas.openxmlformats.org/drawingml/2006/compatibility" xmlns:p14="http://schemas.microsoft.com/office/powerpoint/2010/main" xmlns:p15="http://schemas.microsoft.com/office/powerpoint/2012/main" showMasterPhAnim="0" showMasterSp="0">
+  <p:cSld>
+    <p:spTree>
+      <p:nvGrpSpPr>
+        <p:cNvPr id="87" name="Shape 87"/>
+        <p:cNvGrpSpPr/>
+        <p:nvPr/>
+      </p:nvGrpSpPr>
+      <p:grpSpPr>
+        <a:xfrm>
+          <a:off x="0" y="0"/>
+          <a:ext cx="0" cy="0"/>
+          <a:chOff x="0" y="0"/>
+          <a:chExt cx="0" cy="0"/>
+        </a:xfrm>
+      </p:grpSpPr>
+      <p:sp>
+        <p:nvSpPr>
+          <p:cNvPr id="88" name="Google Shape;88;g64c49290d1_0_91:notes"/>
+          <p:cNvSpPr/>
+          <p:nvPr>
+            <p:ph idx="2" type="sldImg"/>
+          </p:nvPr>
+        </p:nvSpPr>
+        <p:spPr>
+          <a:xfrm>
+            <a:off x="381300" y="685800"/>
+            <a:ext cx="6096000" cy="3429000"/>
+          </a:xfrm>
+          <a:custGeom>
+            <a:rect b="b" l="l" r="r" t="t"/>
+            <a:pathLst>
+              <a:path extrusionOk="0" h="120000" w="120000">
+                <a:moveTo>
+                  <a:pt x="0" y="0"/>
+                </a:moveTo>
+                <a:lnTo>
+                  <a:pt x="120000" y="0"/>
+                </a:lnTo>
+                <a:lnTo>
+                  <a:pt x="120000" y="120000"/>
+                </a:lnTo>
+                <a:lnTo>
+                  <a:pt x="0" y="120000"/>
+                </a:lnTo>
+                <a:close/>
+              </a:path>
+            </a:pathLst>
+          </a:custGeom>
+        </p:spPr>
+      </p:sp>
+      <p:sp>
+        <p:nvSpPr>
+          <p:cNvPr id="89" name="Google Shape;89;g64c49290d1_0_91:notes"/>
+          <p:cNvSpPr txBox="1"/>
+          <p:nvPr>
+            <p:ph idx="1" type="body"/>
+          </p:nvPr>
+        </p:nvSpPr>
+        <p:spPr>
+          <a:xfrm>
+            <a:off x="685800" y="4343400"/>
+            <a:ext cx="5486400" cy="4114800"/>
+          </a:xfrm>
+          <a:prstGeom prst="rect">
+            <a:avLst/>
+          </a:prstGeom>
+        </p:spPr>
+        <p:txBody>
+          <a:bodyPr anchorCtr="0" anchor="t" bIns="91425" lIns="91425" spcFirstLastPara="1" rIns="91425" wrap="square" tIns="91425">
+            <a:noAutofit/>
+          </a:bodyPr>
+          <a:lstStyle/>
+          <a:p>
+            <a:pPr indent="0" lvl="0" marL="0" rtl="0" algn="l">
+              <a:spcBef>
+                <a:spcPts val="0"/>
+              </a:spcBef>
+              <a:spcAft>
+                <a:spcPts val="0"/>
+              </a:spcAft>
+              <a:buNone/>
+            </a:pPr>
+            <a:r>
               <a:rPr lang="en"/>
-              <a:t>Our eyes are drawn to the color. </a:t>
+              <a:t>Hue is the easiest color concept to understand.</a:t>
             </a:r>
             <a:endParaRPr/>
+          </a:p>
+          <a:p>
+            <a:pPr indent="0" lvl="0" marL="0" rtl="0" algn="l">
+              <a:spcBef>
+                <a:spcPts val="0"/>
+              </a:spcBef>
+              <a:spcAft>
+                <a:spcPts val="0"/>
+              </a:spcAft>
+              <a:buNone/>
+            </a:pPr>
+            <a:r>
+              <a:t/>
+            </a:r>
+            <a:endParaRPr/>
+          </a:p>
+          <a:p>
+            <a:pPr indent="0" lvl="0" marL="0" rtl="0" algn="l">
+              <a:spcBef>
+                <a:spcPts val="0"/>
+              </a:spcBef>
+              <a:spcAft>
+                <a:spcPts val="0"/>
+              </a:spcAft>
+              <a:buNone/>
+            </a:pPr>
+            <a:r>
+              <a:rPr lang="en"/>
+              <a:t>Example of how hue changes during the ripening process. </a:t>
+            </a:r>
+            <a:endParaRPr/>
+          </a:p>
+          <a:p>
+            <a:pPr indent="0" lvl="0" marL="0" rtl="0" algn="l">
+              <a:spcBef>
+                <a:spcPts val="0"/>
+              </a:spcBef>
+              <a:spcAft>
+                <a:spcPts val="0"/>
+              </a:spcAft>
+              <a:buNone/>
+            </a:pPr>
+            <a:r>
+              <a:t/>
+            </a:r>
+            <a:endParaRPr/>
+          </a:p>
+          <a:p>
+            <a:pPr indent="0" lvl="0" marL="0" rtl="0" algn="l">
+              <a:spcBef>
+                <a:spcPts val="0"/>
+              </a:spcBef>
+              <a:spcAft>
+                <a:spcPts val="0"/>
+              </a:spcAft>
+              <a:buNone/>
+            </a:pPr>
+            <a:r>
+              <a:rPr lang="en"/>
+              <a:t>What number represents your ideal eating banana? Making banana bread?</a:t>
+            </a:r>
+            <a:endParaRPr/>
+          </a:p>
+        </p:txBody>
+      </p:sp>
+    </p:spTree>
+  </p:cSld>
+  <p:clrMapOvr>
+    <a:masterClrMapping/>
+  </p:clrMapOvr>
+</p:notes>
+</file>
+
+<file path=ppt/notesSlides/notesSlide8.xml><?xml version="1.0" encoding="utf-8"?>
+<p:notes xmlns:a="http://schemas.openxmlformats.org/drawingml/2006/main" xmlns:r="http://schemas.openxmlformats.org/officeDocument/2006/relationships" xmlns:mc="http://schemas.openxmlformats.org/markup-compatibility/2006" xmlns:mv="urn:schemas-microsoft-com:mac:vml" xmlns:p="http://schemas.openxmlformats.org/presentationml/2006/main" xmlns:c="http://schemas.openxmlformats.org/drawingml/2006/chart" xmlns:dgm="http://schemas.openxmlformats.org/drawingml/2006/diagram" xmlns:o="urn:schemas-microsoft-com:office:office" xmlns:v="urn:schemas-microsoft-com:vml" xmlns:pvml="urn:schemas-microsoft-com:office:powerpoint" xmlns:com="http://schemas.openxmlformats.org/drawingml/2006/compatibility" xmlns:p14="http://schemas.microsoft.com/office/powerpoint/2010/main" xmlns:p15="http://schemas.microsoft.com/office/powerpoint/2012/main" showMasterPhAnim="0" showMasterSp="0">
+  <p:cSld>
+    <p:spTree>
+      <p:nvGrpSpPr>
+        <p:cNvPr id="93" name="Shape 93"/>
+        <p:cNvGrpSpPr/>
+        <p:nvPr/>
+      </p:nvGrpSpPr>
+      <p:grpSpPr>
+        <a:xfrm>
+          <a:off x="0" y="0"/>
+          <a:ext cx="0" cy="0"/>
+          <a:chOff x="0" y="0"/>
+          <a:chExt cx="0" cy="0"/>
+        </a:xfrm>
+      </p:grpSpPr>
+      <p:sp>
+        <p:nvSpPr>
+          <p:cNvPr id="94" name="Google Shape;94;g64c49290d1_0_96:notes"/>
+          <p:cNvSpPr/>
+          <p:nvPr>
+            <p:ph idx="2" type="sldImg"/>
+          </p:nvPr>
+        </p:nvSpPr>
+        <p:spPr>
+          <a:xfrm>
+            <a:off x="381300" y="685800"/>
+            <a:ext cx="6096000" cy="3429000"/>
+          </a:xfrm>
+          <a:custGeom>
+            <a:rect b="b" l="l" r="r" t="t"/>
+            <a:pathLst>
+              <a:path extrusionOk="0" h="120000" w="120000">
+                <a:moveTo>
+                  <a:pt x="0" y="0"/>
+                </a:moveTo>
+                <a:lnTo>
+                  <a:pt x="120000" y="0"/>
+                </a:lnTo>
+                <a:lnTo>
+                  <a:pt x="120000" y="120000"/>
+                </a:lnTo>
+                <a:lnTo>
+                  <a:pt x="0" y="120000"/>
+                </a:lnTo>
+                <a:close/>
+              </a:path>
+            </a:pathLst>
+          </a:custGeom>
+        </p:spPr>
+      </p:sp>
+      <p:sp>
+        <p:nvSpPr>
+          <p:cNvPr id="95" name="Google Shape;95;g64c49290d1_0_96:notes"/>
+          <p:cNvSpPr txBox="1"/>
+          <p:nvPr>
+            <p:ph idx="1" type="body"/>
+          </p:nvPr>
+        </p:nvSpPr>
+        <p:spPr>
+          <a:xfrm>
+            <a:off x="685800" y="4343400"/>
+            <a:ext cx="5486400" cy="4114800"/>
+          </a:xfrm>
+          <a:prstGeom prst="rect">
+            <a:avLst/>
+          </a:prstGeom>
+        </p:spPr>
+        <p:txBody>
+          <a:bodyPr anchorCtr="0" anchor="t" bIns="91425" lIns="91425" spcFirstLastPara="1" rIns="91425" wrap="square" tIns="91425">
+            <a:noAutofit/>
+          </a:bodyPr>
+          <a:lstStyle/>
+          <a:p>
+            <a:pPr indent="0" lvl="0" marL="0" rtl="0" algn="l">
+              <a:spcBef>
+                <a:spcPts val="0"/>
+              </a:spcBef>
+              <a:spcAft>
+                <a:spcPts val="0"/>
+              </a:spcAft>
+              <a:buNone/>
+            </a:pPr>
+            <a:r>
+              <a:rPr lang="en" sz="1200">
+                <a:solidFill>
+                  <a:srgbClr val="333333"/>
+                </a:solidFill>
+                <a:highlight>
+                  <a:srgbClr val="FFFFFF"/>
+                </a:highlight>
+              </a:rPr>
+              <a:t>Color saturation is the intensity of a hue. It is the amount of grey in a color. </a:t>
+            </a:r>
+            <a:endParaRPr sz="1200">
+              <a:solidFill>
+                <a:srgbClr val="333333"/>
+              </a:solidFill>
+              <a:highlight>
+                <a:srgbClr val="FFFFFF"/>
+              </a:highlight>
+            </a:endParaRPr>
+          </a:p>
+          <a:p>
+            <a:pPr indent="0" lvl="0" marL="0" rtl="0" algn="l">
+              <a:spcBef>
+                <a:spcPts val="0"/>
+              </a:spcBef>
+              <a:spcAft>
+                <a:spcPts val="0"/>
+              </a:spcAft>
+              <a:buNone/>
+            </a:pPr>
+            <a:r>
+              <a:t/>
+            </a:r>
+            <a:endParaRPr sz="1200">
+              <a:solidFill>
+                <a:srgbClr val="333333"/>
+              </a:solidFill>
+              <a:highlight>
+                <a:srgbClr val="FFFFFF"/>
+              </a:highlight>
+            </a:endParaRPr>
+          </a:p>
+          <a:p>
+            <a:pPr indent="0" lvl="0" marL="0" rtl="0" algn="l">
+              <a:spcBef>
+                <a:spcPts val="0"/>
+              </a:spcBef>
+              <a:spcAft>
+                <a:spcPts val="0"/>
+              </a:spcAft>
+              <a:buNone/>
+            </a:pPr>
+            <a:r>
+              <a:rPr lang="en" sz="1200">
+                <a:solidFill>
+                  <a:srgbClr val="333333"/>
+                </a:solidFill>
+                <a:highlight>
+                  <a:srgbClr val="FFFFFF"/>
+                </a:highlight>
+              </a:rPr>
+              <a:t>Maximum saturation is pure color.  Minimum is washed out, faded, pastel, etc. </a:t>
+            </a:r>
+            <a:endParaRPr sz="1200">
+              <a:solidFill>
+                <a:srgbClr val="333333"/>
+              </a:solidFill>
+              <a:highlight>
+                <a:srgbClr val="FFFFFF"/>
+              </a:highlight>
+            </a:endParaRPr>
+          </a:p>
+          <a:p>
+            <a:pPr indent="0" lvl="0" marL="0" rtl="0" algn="l">
+              <a:spcBef>
+                <a:spcPts val="0"/>
+              </a:spcBef>
+              <a:spcAft>
+                <a:spcPts val="0"/>
+              </a:spcAft>
+              <a:buNone/>
+            </a:pPr>
+            <a:r>
+              <a:t/>
+            </a:r>
+            <a:endParaRPr sz="1200">
+              <a:solidFill>
+                <a:srgbClr val="333333"/>
+              </a:solidFill>
+              <a:highlight>
+                <a:srgbClr val="FFFFFF"/>
+              </a:highlight>
+            </a:endParaRPr>
+          </a:p>
+          <a:p>
+            <a:pPr indent="0" lvl="0" marL="0" rtl="0" algn="l">
+              <a:spcBef>
+                <a:spcPts val="0"/>
+              </a:spcBef>
+              <a:spcAft>
+                <a:spcPts val="0"/>
+              </a:spcAft>
+              <a:buNone/>
+            </a:pPr>
+            <a:r>
+              <a:rPr lang="en" sz="1200">
+                <a:solidFill>
+                  <a:srgbClr val="333333"/>
+                </a:solidFill>
+                <a:highlight>
+                  <a:srgbClr val="FFFFFF"/>
+                </a:highlight>
+              </a:rPr>
+              <a:t>Why does saturation matter?  Our eyes are drawn to pure, intense colors. Also, using a continuum of saturations for a single color allows us to add variety to a presentation without overwhelming our eyes with too many colors.  </a:t>
+            </a:r>
+            <a:endParaRPr sz="1200">
+              <a:solidFill>
+                <a:srgbClr val="333333"/>
+              </a:solidFill>
+              <a:highlight>
+                <a:srgbClr val="FFFFFF"/>
+              </a:highlight>
+            </a:endParaRPr>
+          </a:p>
+          <a:p>
+            <a:pPr indent="0" lvl="0" marL="0" rtl="0" algn="l">
+              <a:spcBef>
+                <a:spcPts val="0"/>
+              </a:spcBef>
+              <a:spcAft>
+                <a:spcPts val="0"/>
+              </a:spcAft>
+              <a:buNone/>
+            </a:pPr>
+            <a:r>
+              <a:t/>
+            </a:r>
+            <a:endParaRPr sz="1200">
+              <a:solidFill>
+                <a:srgbClr val="333333"/>
+              </a:solidFill>
+              <a:highlight>
+                <a:srgbClr val="FFFFFF"/>
+              </a:highlight>
+            </a:endParaRPr>
+          </a:p>
+          <a:p>
+            <a:pPr indent="0" lvl="0" marL="0" rtl="0" algn="l">
+              <a:spcBef>
+                <a:spcPts val="0"/>
+              </a:spcBef>
+              <a:spcAft>
+                <a:spcPts val="0"/>
+              </a:spcAft>
+              <a:buNone/>
+            </a:pPr>
+            <a:r>
+              <a:t/>
+            </a:r>
+            <a:endParaRPr sz="1200">
+              <a:solidFill>
+                <a:srgbClr val="333333"/>
+              </a:solidFill>
+              <a:highlight>
+                <a:srgbClr val="FFFFFF"/>
+              </a:highlight>
+            </a:endParaRPr>
+          </a:p>
+        </p:txBody>
+      </p:sp>
+    </p:spTree>
+  </p:cSld>
+  <p:clrMapOvr>
+    <a:masterClrMapping/>
+  </p:clrMapOvr>
+</p:notes>
+</file>
+
+<file path=ppt/notesSlides/notesSlide9.xml><?xml version="1.0" encoding="utf-8"?>
+<p:notes xmlns:a="http://schemas.openxmlformats.org/drawingml/2006/main" xmlns:r="http://schemas.openxmlformats.org/officeDocument/2006/relationships" xmlns:mc="http://schemas.openxmlformats.org/markup-compatibility/2006" xmlns:mv="urn:schemas-microsoft-com:mac:vml" xmlns:p="http://schemas.openxmlformats.org/presentationml/2006/main" xmlns:c="http://schemas.openxmlformats.org/drawingml/2006/chart" xmlns:dgm="http://schemas.openxmlformats.org/drawingml/2006/diagram" xmlns:o="urn:schemas-microsoft-com:office:office" xmlns:v="urn:schemas-microsoft-com:vml" xmlns:pvml="urn:schemas-microsoft-com:office:powerpoint" xmlns:com="http://schemas.openxmlformats.org/drawingml/2006/compatibility" xmlns:p14="http://schemas.microsoft.com/office/powerpoint/2010/main" xmlns:p15="http://schemas.microsoft.com/office/powerpoint/2012/main" showMasterPhAnim="0" showMasterSp="0">
+  <p:cSld>
+    <p:spTree>
+      <p:nvGrpSpPr>
+        <p:cNvPr id="99" name="Shape 99"/>
+        <p:cNvGrpSpPr/>
+        <p:nvPr/>
+      </p:nvGrpSpPr>
+      <p:grpSpPr>
+        <a:xfrm>
+          <a:off x="0" y="0"/>
+          <a:ext cx="0" cy="0"/>
+          <a:chOff x="0" y="0"/>
+          <a:chExt cx="0" cy="0"/>
+        </a:xfrm>
+      </p:grpSpPr>
+      <p:sp>
+        <p:nvSpPr>
+          <p:cNvPr id="100" name="Google Shape;100;g64c49290d1_0_109:notes"/>
+          <p:cNvSpPr/>
+          <p:nvPr>
+            <p:ph idx="2" type="sldImg"/>
+          </p:nvPr>
+        </p:nvSpPr>
+        <p:spPr>
+          <a:xfrm>
+            <a:off x="381300" y="685800"/>
+            <a:ext cx="6096000" cy="3429000"/>
+          </a:xfrm>
+          <a:custGeom>
+            <a:rect b="b" l="l" r="r" t="t"/>
+            <a:pathLst>
+              <a:path extrusionOk="0" h="120000" w="120000">
+                <a:moveTo>
+                  <a:pt x="0" y="0"/>
+                </a:moveTo>
+                <a:lnTo>
+                  <a:pt x="120000" y="0"/>
+                </a:lnTo>
+                <a:lnTo>
+                  <a:pt x="120000" y="120000"/>
+                </a:lnTo>
+                <a:lnTo>
+                  <a:pt x="0" y="120000"/>
+                </a:lnTo>
+                <a:close/>
+              </a:path>
+            </a:pathLst>
+          </a:custGeom>
+        </p:spPr>
+      </p:sp>
+      <p:sp>
+        <p:nvSpPr>
+          <p:cNvPr id="101" name="Google Shape;101;g64c49290d1_0_109:notes"/>
+          <p:cNvSpPr txBox="1"/>
+          <p:nvPr>
+            <p:ph idx="1" type="body"/>
+          </p:nvPr>
+        </p:nvSpPr>
+        <p:spPr>
+          <a:xfrm>
+            <a:off x="685800" y="4343400"/>
+            <a:ext cx="5486400" cy="4114800"/>
+          </a:xfrm>
+          <a:prstGeom prst="rect">
+            <a:avLst/>
+          </a:prstGeom>
+        </p:spPr>
+        <p:txBody>
+          <a:bodyPr anchorCtr="0" anchor="t" bIns="91425" lIns="91425" spcFirstLastPara="1" rIns="91425" wrap="square" tIns="91425">
+            <a:noAutofit/>
+          </a:bodyPr>
+          <a:lstStyle/>
+          <a:p>
+            <a:pPr indent="0" lvl="0" marL="0" rtl="0" algn="l">
+              <a:spcBef>
+                <a:spcPts val="0"/>
+              </a:spcBef>
+              <a:spcAft>
+                <a:spcPts val="0"/>
+              </a:spcAft>
+              <a:buNone/>
+            </a:pPr>
+            <a:r>
+              <a:rPr b="1" lang="en" sz="1400">
+                <a:solidFill>
+                  <a:schemeClr val="dk1"/>
+                </a:solidFill>
+              </a:rPr>
+              <a:t>Brightness</a:t>
+            </a:r>
+            <a:r>
+              <a:rPr lang="en" sz="1400">
+                <a:solidFill>
+                  <a:schemeClr val="dk1"/>
+                </a:solidFill>
+              </a:rPr>
+              <a:t> is the relative lightness or darkness of a particular color, from black (no brightness) to white (full brightness). </a:t>
+            </a:r>
+            <a:endParaRPr sz="1400">
+              <a:solidFill>
+                <a:schemeClr val="dk1"/>
+              </a:solidFill>
+            </a:endParaRPr>
+          </a:p>
+          <a:p>
+            <a:pPr indent="0" lvl="0" marL="0" rtl="0" algn="l">
+              <a:spcBef>
+                <a:spcPts val="0"/>
+              </a:spcBef>
+              <a:spcAft>
+                <a:spcPts val="0"/>
+              </a:spcAft>
+              <a:buNone/>
+            </a:pPr>
+            <a:r>
+              <a:t/>
+            </a:r>
+            <a:endParaRPr sz="1400">
+              <a:solidFill>
+                <a:schemeClr val="dk1"/>
+              </a:solidFill>
+            </a:endParaRPr>
+          </a:p>
+          <a:p>
+            <a:pPr indent="0" lvl="0" marL="0" rtl="0" algn="l">
+              <a:spcBef>
+                <a:spcPts val="0"/>
+              </a:spcBef>
+              <a:spcAft>
+                <a:spcPts val="0"/>
+              </a:spcAft>
+              <a:buNone/>
+            </a:pPr>
+            <a:r>
+              <a:rPr lang="en" sz="1400">
+                <a:solidFill>
+                  <a:schemeClr val="dk1"/>
+                </a:solidFill>
+              </a:rPr>
+              <a:t>Brightness is also called </a:t>
+            </a:r>
+            <a:r>
+              <a:rPr b="1" lang="en" sz="1400">
+                <a:solidFill>
+                  <a:schemeClr val="dk1"/>
+                </a:solidFill>
+              </a:rPr>
+              <a:t>Lightness</a:t>
+            </a:r>
+            <a:r>
+              <a:rPr lang="en" sz="1400">
+                <a:solidFill>
+                  <a:schemeClr val="dk1"/>
+                </a:solidFill>
+              </a:rPr>
+              <a:t> in some contexts.   </a:t>
+            </a:r>
+            <a:r>
+              <a:rPr lang="en" sz="1400">
+                <a:solidFill>
+                  <a:srgbClr val="333333"/>
+                </a:solidFill>
+                <a:highlight>
+                  <a:srgbClr val="FFFFFF"/>
+                </a:highlight>
+              </a:rPr>
+              <a:t>In Tableau, saturation is called Opacity and is measure as a percent. </a:t>
+            </a:r>
+            <a:endParaRPr sz="1400">
+              <a:solidFill>
+                <a:srgbClr val="333333"/>
+              </a:solidFill>
+              <a:highlight>
+                <a:srgbClr val="FFFFFF"/>
+              </a:highlight>
+            </a:endParaRPr>
+          </a:p>
+          <a:p>
+            <a:pPr indent="0" lvl="0" marL="0" rtl="0" algn="l">
+              <a:spcBef>
+                <a:spcPts val="0"/>
+              </a:spcBef>
+              <a:spcAft>
+                <a:spcPts val="0"/>
+              </a:spcAft>
+              <a:buNone/>
+            </a:pPr>
+            <a:r>
+              <a:t/>
+            </a:r>
+            <a:endParaRPr sz="1200">
+              <a:solidFill>
+                <a:srgbClr val="333333"/>
+              </a:solidFill>
+              <a:highlight>
+                <a:srgbClr val="FFFFFF"/>
+              </a:highlight>
+            </a:endParaRPr>
+          </a:p>
+          <a:p>
+            <a:pPr indent="0" lvl="0" marL="0" rtl="0" algn="l">
+              <a:spcBef>
+                <a:spcPts val="0"/>
+              </a:spcBef>
+              <a:spcAft>
+                <a:spcPts val="0"/>
+              </a:spcAft>
+              <a:buNone/>
+            </a:pPr>
+            <a:r>
+              <a:rPr lang="en" sz="1400">
+                <a:solidFill>
+                  <a:srgbClr val="333333"/>
+                </a:solidFill>
+                <a:highlight>
+                  <a:srgbClr val="FFFFFF"/>
+                </a:highlight>
+              </a:rPr>
+              <a:t>The difference between saturation and brightness is very important in photography and image processing applications. It is less important in creating visualizations using charts and graphs.</a:t>
+            </a:r>
+            <a:endParaRPr sz="1400">
+              <a:solidFill>
+                <a:srgbClr val="333333"/>
+              </a:solidFill>
+              <a:highlight>
+                <a:srgbClr val="FFFFFF"/>
+              </a:highlight>
+            </a:endParaRPr>
+          </a:p>
+          <a:p>
+            <a:pPr indent="0" lvl="0" marL="0" rtl="0" algn="l">
+              <a:spcBef>
+                <a:spcPts val="0"/>
+              </a:spcBef>
+              <a:spcAft>
+                <a:spcPts val="0"/>
+              </a:spcAft>
+              <a:buNone/>
+            </a:pPr>
+            <a:r>
+              <a:t/>
+            </a:r>
+            <a:endParaRPr sz="1400">
+              <a:solidFill>
+                <a:srgbClr val="333333"/>
+              </a:solidFill>
+              <a:highlight>
+                <a:srgbClr val="FFFFFF"/>
+              </a:highlight>
+            </a:endParaRPr>
+          </a:p>
+          <a:p>
+            <a:pPr indent="0" lvl="0" marL="0" rtl="0" algn="l">
+              <a:spcBef>
+                <a:spcPts val="0"/>
+              </a:spcBef>
+              <a:spcAft>
+                <a:spcPts val="0"/>
+              </a:spcAft>
+              <a:buNone/>
+            </a:pPr>
+            <a:r>
+              <a:rPr lang="en" sz="1400">
+                <a:solidFill>
+                  <a:srgbClr val="333333"/>
+                </a:solidFill>
+                <a:highlight>
+                  <a:srgbClr val="FFFFFF"/>
+                </a:highlight>
+              </a:rPr>
+              <a:t>The takeaway: if you want turn a blue sky grey, lessen the saturation. If you want to make a dark blue sky a lighter shade of blue, increase the brightness. </a:t>
+            </a:r>
+            <a:endParaRPr sz="1400">
+              <a:solidFill>
+                <a:srgbClr val="333333"/>
+              </a:solidFill>
+              <a:highlight>
+                <a:srgbClr val="FFFFFF"/>
+              </a:highlight>
+            </a:endParaRPr>
+          </a:p>
+          <a:p>
+            <a:pPr indent="0" lvl="0" marL="0" rtl="0" algn="l">
+              <a:spcBef>
+                <a:spcPts val="0"/>
+              </a:spcBef>
+              <a:spcAft>
+                <a:spcPts val="0"/>
+              </a:spcAft>
+              <a:buNone/>
+            </a:pPr>
+            <a:r>
+              <a:t/>
+            </a:r>
+            <a:endParaRPr sz="900">
+              <a:solidFill>
+                <a:schemeClr val="dk1"/>
+              </a:solidFill>
+            </a:endParaRPr>
+          </a:p>
+          <a:p>
+            <a:pPr indent="0" lvl="0" marL="0" rtl="0" algn="l">
+              <a:spcBef>
+                <a:spcPts val="0"/>
+              </a:spcBef>
+              <a:spcAft>
+                <a:spcPts val="0"/>
+              </a:spcAft>
+              <a:buNone/>
+            </a:pPr>
+            <a:r>
+              <a:t/>
+            </a:r>
+            <a:endParaRPr sz="900">
+              <a:solidFill>
+                <a:schemeClr val="dk1"/>
+              </a:solidFill>
+            </a:endParaRPr>
           </a:p>
         </p:txBody>
       </p:sp>
@@ -8002,54 +8730,6 @@
           <p:cNvPr id="54" name="Google Shape;54;p13"/>
           <p:cNvSpPr txBox="1"/>
           <p:nvPr>
-            <p:ph type="ctrTitle"/>
-          </p:nvPr>
-        </p:nvSpPr>
-        <p:spPr>
-          <a:xfrm>
-            <a:off x="311700" y="744575"/>
-            <a:ext cx="8520600" cy="1283700"/>
-          </a:xfrm>
-          <a:prstGeom prst="rect">
-            <a:avLst/>
-          </a:prstGeom>
-        </p:spPr>
-        <p:txBody>
-          <a:bodyPr anchorCtr="0" anchor="b" bIns="91425" lIns="91425" spcFirstLastPara="1" rIns="91425" wrap="square" tIns="91425">
-            <a:noAutofit/>
-          </a:bodyPr>
-          <a:lstStyle/>
-          <a:p>
-            <a:pPr indent="0" lvl="0" marL="0" rtl="0" algn="ctr">
-              <a:spcBef>
-                <a:spcPts val="0"/>
-              </a:spcBef>
-              <a:spcAft>
-                <a:spcPts val="0"/>
-              </a:spcAft>
-              <a:buNone/>
-            </a:pPr>
-            <a:r>
-              <a:rPr lang="en" sz="6000">
-                <a:solidFill>
-                  <a:srgbClr val="FF0000"/>
-                </a:solidFill>
-              </a:rPr>
-              <a:t>Made you look!</a:t>
-            </a:r>
-            <a:endParaRPr sz="6000">
-              <a:solidFill>
-                <a:srgbClr val="FF0000"/>
-              </a:solidFill>
-            </a:endParaRPr>
-          </a:p>
-        </p:txBody>
-      </p:sp>
-      <p:sp>
-        <p:nvSpPr>
-          <p:cNvPr id="55" name="Google Shape;55;p13"/>
-          <p:cNvSpPr txBox="1"/>
-          <p:nvPr>
             <p:ph idx="1" type="subTitle"/>
           </p:nvPr>
         </p:nvSpPr>
@@ -8126,12 +8806,40 @@
             </a:pPr>
             <a:r>
               <a:rPr lang="en" sz="1800"/>
-              <a:t>DRAFT 1 10/12/19</a:t>
+              <a:t>DRAFT 2 10/16/19</a:t>
             </a:r>
             <a:endParaRPr sz="1800"/>
           </a:p>
         </p:txBody>
       </p:sp>
+      <p:pic>
+        <p:nvPicPr>
+          <p:cNvPr id="55" name="Google Shape;55;p13"/>
+          <p:cNvPicPr preferRelativeResize="0"/>
+          <p:nvPr/>
+        </p:nvPicPr>
+        <p:blipFill>
+          <a:blip r:embed="rId3">
+            <a:alphaModFix/>
+          </a:blip>
+          <a:stretch>
+            <a:fillRect/>
+          </a:stretch>
+        </p:blipFill>
+        <p:spPr>
+          <a:xfrm>
+            <a:off x="1741575" y="373350"/>
+            <a:ext cx="5511200" cy="2401600"/>
+          </a:xfrm>
+          <a:prstGeom prst="rect">
+            <a:avLst/>
+          </a:prstGeom>
+          <a:noFill/>
+          <a:ln>
+            <a:noFill/>
+          </a:ln>
+        </p:spPr>
+      </p:pic>
     </p:spTree>
   </p:cSld>
   <p:clrMapOvr>
@@ -8143,9 +8851,46 @@
 <file path=ppt/slides/slide10.xml><?xml version="1.0" encoding="utf-8"?>
 <p:sld xmlns:a="http://schemas.openxmlformats.org/drawingml/2006/main" xmlns:r="http://schemas.openxmlformats.org/officeDocument/2006/relationships" xmlns:mc="http://schemas.openxmlformats.org/markup-compatibility/2006" xmlns:mv="urn:schemas-microsoft-com:mac:vml" xmlns:p="http://schemas.openxmlformats.org/presentationml/2006/main" xmlns:c="http://schemas.openxmlformats.org/drawingml/2006/chart" xmlns:dgm="http://schemas.openxmlformats.org/drawingml/2006/diagram" xmlns:o="urn:schemas-microsoft-com:office:office" xmlns:v="urn:schemas-microsoft-com:vml" xmlns:pvml="urn:schemas-microsoft-com:office:powerpoint" xmlns:com="http://schemas.openxmlformats.org/drawingml/2006/compatibility" xmlns:p14="http://schemas.microsoft.com/office/powerpoint/2010/main" xmlns:p15="http://schemas.microsoft.com/office/powerpoint/2012/main">
   <p:cSld>
+    <p:bg>
+      <p:bgPr>
+        <a:blipFill>
+          <a:blip r:embed="rId3">
+            <a:alphaModFix/>
+          </a:blip>
+          <a:stretch>
+            <a:fillRect/>
+          </a:stretch>
+        </a:blipFill>
+      </p:bgPr>
+    </p:bg>
     <p:spTree>
       <p:nvGrpSpPr>
-        <p:cNvPr id="107" name="Shape 107"/>
+        <p:cNvPr id="108" name="Shape 108"/>
+        <p:cNvGrpSpPr/>
+        <p:nvPr/>
+      </p:nvGrpSpPr>
+      <p:grpSpPr>
+        <a:xfrm>
+          <a:off x="0" y="0"/>
+          <a:ext cx="0" cy="0"/>
+          <a:chOff x="0" y="0"/>
+          <a:chExt cx="0" cy="0"/>
+        </a:xfrm>
+      </p:grpSpPr>
+    </p:spTree>
+  </p:cSld>
+  <p:clrMapOvr>
+    <a:masterClrMapping/>
+  </p:clrMapOvr>
+</p:sld>
+</file>
+
+<file path=ppt/slides/slide11.xml><?xml version="1.0" encoding="utf-8"?>
+<p:sld xmlns:a="http://schemas.openxmlformats.org/drawingml/2006/main" xmlns:r="http://schemas.openxmlformats.org/officeDocument/2006/relationships" xmlns:mc="http://schemas.openxmlformats.org/markup-compatibility/2006" xmlns:mv="urn:schemas-microsoft-com:mac:vml" xmlns:p="http://schemas.openxmlformats.org/presentationml/2006/main" xmlns:c="http://schemas.openxmlformats.org/drawingml/2006/chart" xmlns:dgm="http://schemas.openxmlformats.org/drawingml/2006/diagram" xmlns:o="urn:schemas-microsoft-com:office:office" xmlns:v="urn:schemas-microsoft-com:vml" xmlns:pvml="urn:schemas-microsoft-com:office:powerpoint" xmlns:com="http://schemas.openxmlformats.org/drawingml/2006/compatibility" xmlns:p14="http://schemas.microsoft.com/office/powerpoint/2010/main" xmlns:p15="http://schemas.microsoft.com/office/powerpoint/2012/main">
+  <p:cSld>
+    <p:spTree>
+      <p:nvGrpSpPr>
+        <p:cNvPr id="112" name="Shape 112"/>
         <p:cNvGrpSpPr/>
         <p:nvPr/>
       </p:nvGrpSpPr>
@@ -8159,7 +8904,7 @@
       </p:grpSpPr>
       <p:sp>
         <p:nvSpPr>
-          <p:cNvPr id="108" name="Google Shape;108;p22"/>
+          <p:cNvPr id="113" name="Google Shape;113;p23"/>
           <p:cNvSpPr txBox="1"/>
           <p:nvPr>
             <p:ph type="title"/>
@@ -8191,7 +8936,7 @@
             </a:pPr>
             <a:r>
               <a:rPr lang="en"/>
-              <a:t>How about now?</a:t>
+              <a:t>Using brightness to convey information</a:t>
             </a:r>
             <a:endParaRPr/>
           </a:p>
@@ -8199,7 +8944,7 @@
       </p:sp>
       <p:pic>
         <p:nvPicPr>
-          <p:cNvPr id="109" name="Google Shape;109;p22"/>
+          <p:cNvPr id="114" name="Google Shape;114;p23"/>
           <p:cNvPicPr preferRelativeResize="0"/>
           <p:nvPr/>
         </p:nvPicPr>
@@ -8213,8 +8958,8 @@
         </p:blipFill>
         <p:spPr>
           <a:xfrm>
-            <a:off x="2315125" y="1158925"/>
-            <a:ext cx="3876960" cy="3820975"/>
+            <a:off x="152400" y="1170125"/>
+            <a:ext cx="2924175" cy="2590800"/>
           </a:xfrm>
           <a:prstGeom prst="rect">
             <a:avLst/>
@@ -8225,71 +8970,6 @@
           </a:ln>
         </p:spPr>
       </p:pic>
-    </p:spTree>
-  </p:cSld>
-  <p:clrMapOvr>
-    <a:masterClrMapping/>
-  </p:clrMapOvr>
-</p:sld>
-</file>
-
-<file path=ppt/slides/slide11.xml><?xml version="1.0" encoding="utf-8"?>
-<p:sld xmlns:a="http://schemas.openxmlformats.org/drawingml/2006/main" xmlns:r="http://schemas.openxmlformats.org/officeDocument/2006/relationships" xmlns:mc="http://schemas.openxmlformats.org/markup-compatibility/2006" xmlns:mv="urn:schemas-microsoft-com:mac:vml" xmlns:p="http://schemas.openxmlformats.org/presentationml/2006/main" xmlns:c="http://schemas.openxmlformats.org/drawingml/2006/chart" xmlns:dgm="http://schemas.openxmlformats.org/drawingml/2006/diagram" xmlns:o="urn:schemas-microsoft-com:office:office" xmlns:v="urn:schemas-microsoft-com:vml" xmlns:pvml="urn:schemas-microsoft-com:office:powerpoint" xmlns:com="http://schemas.openxmlformats.org/drawingml/2006/compatibility" xmlns:p14="http://schemas.microsoft.com/office/powerpoint/2010/main" xmlns:p15="http://schemas.microsoft.com/office/powerpoint/2012/main">
-  <p:cSld>
-    <p:spTree>
-      <p:nvGrpSpPr>
-        <p:cNvPr id="113" name="Shape 113"/>
-        <p:cNvGrpSpPr/>
-        <p:nvPr/>
-      </p:nvGrpSpPr>
-      <p:grpSpPr>
-        <a:xfrm>
-          <a:off x="0" y="0"/>
-          <a:ext cx="0" cy="0"/>
-          <a:chOff x="0" y="0"/>
-          <a:chExt cx="0" cy="0"/>
-        </a:xfrm>
-      </p:grpSpPr>
-      <p:sp>
-        <p:nvSpPr>
-          <p:cNvPr id="114" name="Google Shape;114;p23"/>
-          <p:cNvSpPr txBox="1"/>
-          <p:nvPr>
-            <p:ph type="title"/>
-          </p:nvPr>
-        </p:nvSpPr>
-        <p:spPr>
-          <a:xfrm>
-            <a:off x="311700" y="445025"/>
-            <a:ext cx="8520600" cy="572700"/>
-          </a:xfrm>
-          <a:prstGeom prst="rect">
-            <a:avLst/>
-          </a:prstGeom>
-        </p:spPr>
-        <p:txBody>
-          <a:bodyPr anchorCtr="0" anchor="t" bIns="91425" lIns="91425" spcFirstLastPara="1" rIns="91425" wrap="square" tIns="91425">
-            <a:noAutofit/>
-          </a:bodyPr>
-          <a:lstStyle/>
-          <a:p>
-            <a:pPr indent="0" lvl="0" marL="0" rtl="0" algn="l">
-              <a:spcBef>
-                <a:spcPts val="0"/>
-              </a:spcBef>
-              <a:spcAft>
-                <a:spcPts val="0"/>
-              </a:spcAft>
-              <a:buNone/>
-            </a:pPr>
-            <a:r>
-              <a:rPr lang="en"/>
-              <a:t>Saturation: same hue, different intensity</a:t>
-            </a:r>
-            <a:endParaRPr/>
-          </a:p>
-        </p:txBody>
-      </p:sp>
       <p:pic>
         <p:nvPicPr>
           <p:cNvPr id="115" name="Google Shape;115;p23"/>
@@ -8297,7 +8977,7 @@
           <p:nvPr/>
         </p:nvPicPr>
         <p:blipFill>
-          <a:blip r:embed="rId3">
+          <a:blip r:embed="rId4">
             <a:alphaModFix/>
           </a:blip>
           <a:stretch>
@@ -8306,8 +8986,8 @@
         </p:blipFill>
         <p:spPr>
           <a:xfrm>
-            <a:off x="1351400" y="1237375"/>
-            <a:ext cx="6335826" cy="3627900"/>
+            <a:off x="3217750" y="3086350"/>
+            <a:ext cx="5762624" cy="1920875"/>
           </a:xfrm>
           <a:prstGeom prst="rect">
             <a:avLst/>
@@ -8377,7 +9057,7 @@
             </a:pPr>
             <a:r>
               <a:rPr lang="en"/>
-              <a:t>Brightness: it’s black &amp; white</a:t>
+              <a:t>How many 9s?</a:t>
             </a:r>
             <a:endParaRPr/>
           </a:p>
@@ -8399,8 +9079,8 @@
         </p:blipFill>
         <p:spPr>
           <a:xfrm>
-            <a:off x="1754850" y="1573525"/>
-            <a:ext cx="5338475" cy="2899350"/>
+            <a:off x="2259100" y="1125300"/>
+            <a:ext cx="3766390" cy="3820975"/>
           </a:xfrm>
           <a:prstGeom prst="rect">
             <a:avLst/>
@@ -8470,7 +9150,7 @@
             </a:pPr>
             <a:r>
               <a:rPr lang="en"/>
-              <a:t>Using brightness to convey information</a:t>
+              <a:t>Easier?</a:t>
             </a:r>
             <a:endParaRPr/>
           </a:p>
@@ -8492,36 +9172,8 @@
         </p:blipFill>
         <p:spPr>
           <a:xfrm>
-            <a:off x="152400" y="1170125"/>
-            <a:ext cx="2924175" cy="2590800"/>
-          </a:xfrm>
-          <a:prstGeom prst="rect">
-            <a:avLst/>
-          </a:prstGeom>
-          <a:noFill/>
-          <a:ln>
-            <a:noFill/>
-          </a:ln>
-        </p:spPr>
-      </p:pic>
-      <p:pic>
-        <p:nvPicPr>
-          <p:cNvPr id="128" name="Google Shape;128;p25"/>
-          <p:cNvPicPr preferRelativeResize="0"/>
-          <p:nvPr/>
-        </p:nvPicPr>
-        <p:blipFill>
-          <a:blip r:embed="rId4">
-            <a:alphaModFix/>
-          </a:blip>
-          <a:stretch>
-            <a:fillRect/>
-          </a:stretch>
-        </p:blipFill>
-        <p:spPr>
-          <a:xfrm>
-            <a:off x="3217750" y="3086350"/>
-            <a:ext cx="5762624" cy="1920875"/>
+            <a:off x="2682275" y="1181325"/>
+            <a:ext cx="3779443" cy="3820976"/>
           </a:xfrm>
           <a:prstGeom prst="rect">
             <a:avLst/>
@@ -8545,7 +9197,7 @@
   <p:cSld>
     <p:spTree>
       <p:nvGrpSpPr>
-        <p:cNvPr id="132" name="Shape 132"/>
+        <p:cNvPr id="131" name="Shape 131"/>
         <p:cNvGrpSpPr/>
         <p:nvPr/>
       </p:nvGrpSpPr>
@@ -8559,7 +9211,7 @@
       </p:grpSpPr>
       <p:sp>
         <p:nvSpPr>
-          <p:cNvPr id="133" name="Google Shape;133;p26"/>
+          <p:cNvPr id="132" name="Google Shape;132;p26"/>
           <p:cNvSpPr txBox="1"/>
           <p:nvPr>
             <p:ph type="title"/>
@@ -8591,7 +9243,7 @@
             </a:pPr>
             <a:r>
               <a:rPr lang="en"/>
-              <a:t>Hue, saturation, brightness (lightness)</a:t>
+              <a:t>How about now?</a:t>
             </a:r>
             <a:endParaRPr/>
           </a:p>
@@ -8599,7 +9251,7 @@
       </p:sp>
       <p:pic>
         <p:nvPicPr>
-          <p:cNvPr id="134" name="Google Shape;134;p26"/>
+          <p:cNvPr id="133" name="Google Shape;133;p26"/>
           <p:cNvPicPr preferRelativeResize="0"/>
           <p:nvPr/>
         </p:nvPicPr>
@@ -8613,8 +9265,8 @@
         </p:blipFill>
         <p:spPr>
           <a:xfrm>
-            <a:off x="1925350" y="1114100"/>
-            <a:ext cx="5156774" cy="3867575"/>
+            <a:off x="2315125" y="1158925"/>
+            <a:ext cx="3876960" cy="3820975"/>
           </a:xfrm>
           <a:prstGeom prst="rect">
             <a:avLst/>
@@ -8638,7 +9290,7 @@
   <p:cSld>
     <p:spTree>
       <p:nvGrpSpPr>
-        <p:cNvPr id="138" name="Shape 138"/>
+        <p:cNvPr id="137" name="Shape 137"/>
         <p:cNvGrpSpPr/>
         <p:nvPr/>
       </p:nvGrpSpPr>
@@ -8652,7 +9304,7 @@
       </p:grpSpPr>
       <p:sp>
         <p:nvSpPr>
-          <p:cNvPr id="139" name="Google Shape;139;p27"/>
+          <p:cNvPr id="138" name="Google Shape;138;p27"/>
           <p:cNvSpPr txBox="1"/>
           <p:nvPr>
             <p:ph type="title"/>
@@ -8684,109 +9336,40 @@
             </a:pPr>
             <a:r>
               <a:rPr lang="en"/>
-              <a:t>Takeways</a:t>
+              <a:t>Hue, saturation, brightness (lightness)</a:t>
             </a:r>
             <a:endParaRPr/>
           </a:p>
         </p:txBody>
       </p:sp>
-      <p:sp>
-        <p:nvSpPr>
-          <p:cNvPr id="140" name="Google Shape;140;p27"/>
-          <p:cNvSpPr txBox="1"/>
-          <p:nvPr>
-            <p:ph idx="1" type="body"/>
-          </p:nvPr>
-        </p:nvSpPr>
-        <p:spPr>
-          <a:xfrm>
-            <a:off x="311700" y="1152475"/>
-            <a:ext cx="8520600" cy="3416400"/>
+      <p:pic>
+        <p:nvPicPr>
+          <p:cNvPr id="139" name="Google Shape;139;p27"/>
+          <p:cNvPicPr preferRelativeResize="0"/>
+          <p:nvPr/>
+        </p:nvPicPr>
+        <p:blipFill>
+          <a:blip r:embed="rId3">
+            <a:alphaModFix/>
+          </a:blip>
+          <a:stretch>
+            <a:fillRect/>
+          </a:stretch>
+        </p:blipFill>
+        <p:spPr>
+          <a:xfrm>
+            <a:off x="1925350" y="1114100"/>
+            <a:ext cx="5156774" cy="3867575"/>
           </a:xfrm>
           <a:prstGeom prst="rect">
             <a:avLst/>
           </a:prstGeom>
-        </p:spPr>
-        <p:txBody>
-          <a:bodyPr anchorCtr="0" anchor="t" bIns="91425" lIns="91425" spcFirstLastPara="1" rIns="91425" wrap="square" tIns="91425">
-            <a:noAutofit/>
-          </a:bodyPr>
-          <a:lstStyle/>
-          <a:p>
-            <a:pPr indent="0" lvl="0" marL="0" rtl="0" algn="l">
-              <a:spcBef>
-                <a:spcPts val="0"/>
-              </a:spcBef>
-              <a:spcAft>
-                <a:spcPts val="0"/>
-              </a:spcAft>
-              <a:buNone/>
-            </a:pPr>
-            <a:r>
-              <a:rPr lang="en"/>
-              <a:t>Colors are for emphasis, accent - use sparingly</a:t>
-            </a:r>
-            <a:endParaRPr/>
-          </a:p>
-          <a:p>
-            <a:pPr indent="0" lvl="0" marL="0" rtl="0" algn="l">
-              <a:spcBef>
-                <a:spcPts val="1600"/>
-              </a:spcBef>
-              <a:spcAft>
-                <a:spcPts val="0"/>
-              </a:spcAft>
-              <a:buClr>
-                <a:schemeClr val="dk1"/>
-              </a:buClr>
-              <a:buSzPts val="1100"/>
-              <a:buFont typeface="Arial"/>
-              <a:buNone/>
-            </a:pPr>
-            <a:r>
-              <a:rPr lang="en"/>
-              <a:t>Contrast is good</a:t>
-            </a:r>
-            <a:endParaRPr/>
-          </a:p>
-          <a:p>
-            <a:pPr indent="0" lvl="0" marL="0" rtl="0" algn="l">
-              <a:spcBef>
-                <a:spcPts val="1600"/>
-              </a:spcBef>
-              <a:spcAft>
-                <a:spcPts val="0"/>
-              </a:spcAft>
-              <a:buClr>
-                <a:schemeClr val="dk1"/>
-              </a:buClr>
-              <a:buSzPts val="1100"/>
-              <a:buFont typeface="Arial"/>
-              <a:buNone/>
-            </a:pPr>
-            <a:r>
-              <a:rPr lang="en"/>
-              <a:t>Black is an accent color</a:t>
-            </a:r>
-            <a:endParaRPr/>
-          </a:p>
-          <a:p>
-            <a:pPr indent="0" lvl="0" marL="0" rtl="0" algn="l">
-              <a:spcBef>
-                <a:spcPts val="1600"/>
-              </a:spcBef>
-              <a:spcAft>
-                <a:spcPts val="1600"/>
-              </a:spcAft>
-              <a:buNone/>
-            </a:pPr>
-            <a:r>
-              <a:t/>
-            </a:r>
-            <a:endParaRPr/>
-          </a:p>
-        </p:txBody>
-      </p:sp>
+          <a:noFill/>
+          <a:ln>
+            <a:noFill/>
+          </a:ln>
+        </p:spPr>
+      </p:pic>
     </p:spTree>
   </p:cSld>
   <p:clrMapOvr>
@@ -8798,9 +9381,21 @@
 <file path=ppt/slides/slide16.xml><?xml version="1.0" encoding="utf-8"?>
 <p:sld xmlns:a="http://schemas.openxmlformats.org/drawingml/2006/main" xmlns:r="http://schemas.openxmlformats.org/officeDocument/2006/relationships" xmlns:mc="http://schemas.openxmlformats.org/markup-compatibility/2006" xmlns:mv="urn:schemas-microsoft-com:mac:vml" xmlns:p="http://schemas.openxmlformats.org/presentationml/2006/main" xmlns:c="http://schemas.openxmlformats.org/drawingml/2006/chart" xmlns:dgm="http://schemas.openxmlformats.org/drawingml/2006/diagram" xmlns:o="urn:schemas-microsoft-com:office:office" xmlns:v="urn:schemas-microsoft-com:vml" xmlns:pvml="urn:schemas-microsoft-com:office:powerpoint" xmlns:com="http://schemas.openxmlformats.org/drawingml/2006/compatibility" xmlns:p14="http://schemas.microsoft.com/office/powerpoint/2010/main" xmlns:p15="http://schemas.microsoft.com/office/powerpoint/2012/main">
   <p:cSld>
+    <p:bg>
+      <p:bgPr>
+        <a:blipFill>
+          <a:blip r:embed="rId3">
+            <a:alphaModFix/>
+          </a:blip>
+          <a:stretch>
+            <a:fillRect/>
+          </a:stretch>
+        </a:blipFill>
+      </p:bgPr>
+    </p:bg>
     <p:spTree>
       <p:nvGrpSpPr>
-        <p:cNvPr id="144" name="Shape 144"/>
+        <p:cNvPr id="143" name="Shape 143"/>
         <p:cNvGrpSpPr/>
         <p:nvPr/>
       </p:nvGrpSpPr>
@@ -8814,20 +9409,24 @@
       </p:grpSpPr>
       <p:sp>
         <p:nvSpPr>
-          <p:cNvPr id="145" name="Google Shape;145;p28"/>
+          <p:cNvPr id="144" name="Google Shape;144;p28"/>
           <p:cNvSpPr txBox="1"/>
-          <p:nvPr>
-            <p:ph type="title"/>
-          </p:nvPr>
+          <p:nvPr/>
         </p:nvSpPr>
         <p:spPr>
           <a:xfrm>
-            <a:off x="311700" y="445025"/>
-            <a:ext cx="8520600" cy="572700"/>
+            <a:off x="0" y="3004900"/>
+            <a:ext cx="9144000" cy="1272300"/>
           </a:xfrm>
           <a:prstGeom prst="rect">
             <a:avLst/>
           </a:prstGeom>
+          <a:solidFill>
+            <a:srgbClr val="FFFFFF"/>
+          </a:solidFill>
+          <a:ln>
+            <a:noFill/>
+          </a:ln>
         </p:spPr>
         <p:txBody>
           <a:bodyPr anchorCtr="0" anchor="t" bIns="91425" lIns="91425" spcFirstLastPara="1" rIns="91425" wrap="square" tIns="91425">
@@ -8845,61 +9444,10 @@
               <a:buNone/>
             </a:pPr>
             <a:r>
-              <a:rPr lang="en"/>
-              <a:t>Form</a:t>
-            </a:r>
-            <a:endParaRPr/>
-          </a:p>
-        </p:txBody>
-      </p:sp>
-      <p:sp>
-        <p:nvSpPr>
-          <p:cNvPr id="146" name="Google Shape;146;p28"/>
-          <p:cNvSpPr txBox="1"/>
-          <p:nvPr>
-            <p:ph idx="1" type="body"/>
-          </p:nvPr>
-        </p:nvSpPr>
-        <p:spPr>
-          <a:xfrm>
-            <a:off x="311700" y="1174875"/>
-            <a:ext cx="8520600" cy="3416400"/>
-          </a:xfrm>
-          <a:prstGeom prst="rect">
-            <a:avLst/>
-          </a:prstGeom>
-        </p:spPr>
-        <p:txBody>
-          <a:bodyPr anchorCtr="0" anchor="t" bIns="91425" lIns="91425" spcFirstLastPara="1" rIns="91425" wrap="square" tIns="91425">
-            <a:noAutofit/>
-          </a:bodyPr>
-          <a:lstStyle/>
-          <a:p>
-            <a:pPr indent="0" lvl="0" marL="0" rtl="0" algn="l">
-              <a:spcBef>
-                <a:spcPts val="0"/>
-              </a:spcBef>
-              <a:spcAft>
-                <a:spcPts val="1600"/>
-              </a:spcAft>
-              <a:buNone/>
-            </a:pPr>
-            <a:r>
-              <a:rPr lang="en" sz="1200">
-                <a:solidFill>
-                  <a:srgbClr val="404040"/>
-                </a:solidFill>
-                <a:highlight>
-                  <a:srgbClr val="F9F9F9"/>
-                </a:highlight>
-                <a:latin typeface="Roboto"/>
-                <a:ea typeface="Roboto"/>
-                <a:cs typeface="Roboto"/>
-                <a:sym typeface="Roboto"/>
-              </a:rPr>
-              <a:t>Form can be manipulated to either call attention to a member of the data set or to reduce our attention on it.</a:t>
-            </a:r>
-            <a:endParaRPr/>
+              <a:rPr lang="en" sz="7200"/>
+              <a:t>Color blindness</a:t>
+            </a:r>
+            <a:endParaRPr sz="7200"/>
           </a:p>
         </p:txBody>
       </p:sp>
@@ -8916,7 +9464,7 @@
   <p:cSld>
     <p:spTree>
       <p:nvGrpSpPr>
-        <p:cNvPr id="150" name="Shape 150"/>
+        <p:cNvPr id="148" name="Shape 148"/>
         <p:cNvGrpSpPr/>
         <p:nvPr/>
       </p:nvGrpSpPr>
@@ -8928,52 +9476,22 @@
           <a:chExt cx="0" cy="0"/>
         </a:xfrm>
       </p:grpSpPr>
-      <p:pic>
-        <p:nvPicPr>
-          <p:cNvPr id="151" name="Google Shape;151;p29"/>
-          <p:cNvPicPr preferRelativeResize="0"/>
-          <p:nvPr/>
-        </p:nvPicPr>
-        <p:blipFill>
-          <a:blip r:embed="rId3">
-            <a:alphaModFix/>
-          </a:blip>
-          <a:stretch>
-            <a:fillRect/>
-          </a:stretch>
-        </p:blipFill>
-        <p:spPr>
-          <a:xfrm>
-            <a:off x="656675" y="152400"/>
-            <a:ext cx="4221743" cy="4838699"/>
+      <p:sp>
+        <p:nvSpPr>
+          <p:cNvPr id="149" name="Google Shape;149;p29"/>
+          <p:cNvSpPr txBox="1"/>
+          <p:nvPr>
+            <p:ph type="title"/>
+          </p:nvPr>
+        </p:nvSpPr>
+        <p:spPr>
+          <a:xfrm>
+            <a:off x="311700" y="445025"/>
+            <a:ext cx="8520600" cy="572700"/>
           </a:xfrm>
           <a:prstGeom prst="rect">
             <a:avLst/>
           </a:prstGeom>
-          <a:noFill/>
-          <a:ln>
-            <a:noFill/>
-          </a:ln>
-        </p:spPr>
-      </p:pic>
-      <p:sp>
-        <p:nvSpPr>
-          <p:cNvPr id="152" name="Google Shape;152;p29"/>
-          <p:cNvSpPr txBox="1"/>
-          <p:nvPr/>
-        </p:nvSpPr>
-        <p:spPr>
-          <a:xfrm>
-            <a:off x="5658975" y="1423150"/>
-            <a:ext cx="3249600" cy="2880000"/>
-          </a:xfrm>
-          <a:prstGeom prst="rect">
-            <a:avLst/>
-          </a:prstGeom>
-          <a:noFill/>
-          <a:ln>
-            <a:noFill/>
-          </a:ln>
         </p:spPr>
         <p:txBody>
           <a:bodyPr anchorCtr="0" anchor="t" bIns="91425" lIns="91425" spcFirstLastPara="1" rIns="91425" wrap="square" tIns="91425">
@@ -8992,7 +9510,167 @@
             </a:pPr>
             <a:r>
               <a:rPr lang="en"/>
-              <a:t>What seems to be missing?</a:t>
+              <a:t>Takeaways</a:t>
+            </a:r>
+            <a:endParaRPr/>
+          </a:p>
+        </p:txBody>
+      </p:sp>
+      <p:sp>
+        <p:nvSpPr>
+          <p:cNvPr id="150" name="Google Shape;150;p29"/>
+          <p:cNvSpPr txBox="1"/>
+          <p:nvPr>
+            <p:ph idx="1" type="body"/>
+          </p:nvPr>
+        </p:nvSpPr>
+        <p:spPr>
+          <a:xfrm>
+            <a:off x="311700" y="1152475"/>
+            <a:ext cx="8520600" cy="3416400"/>
+          </a:xfrm>
+          <a:prstGeom prst="rect">
+            <a:avLst/>
+          </a:prstGeom>
+        </p:spPr>
+        <p:txBody>
+          <a:bodyPr anchorCtr="0" anchor="t" bIns="91425" lIns="91425" spcFirstLastPara="1" rIns="91425" wrap="square" tIns="91425">
+            <a:noAutofit/>
+          </a:bodyPr>
+          <a:lstStyle/>
+          <a:p>
+            <a:pPr indent="0" lvl="0" marL="0" rtl="0" algn="l">
+              <a:spcBef>
+                <a:spcPts val="0"/>
+              </a:spcBef>
+              <a:spcAft>
+                <a:spcPts val="0"/>
+              </a:spcAft>
+              <a:buNone/>
+            </a:pPr>
+            <a:r>
+              <a:rPr lang="en"/>
+              <a:t>Colors are for emphasis,/accent - use sparingly!</a:t>
+            </a:r>
+            <a:endParaRPr/>
+          </a:p>
+          <a:p>
+            <a:pPr indent="0" lvl="0" marL="0" rtl="0" algn="l">
+              <a:spcBef>
+                <a:spcPts val="1600"/>
+              </a:spcBef>
+              <a:spcAft>
+                <a:spcPts val="0"/>
+              </a:spcAft>
+              <a:buClr>
+                <a:schemeClr val="dk1"/>
+              </a:buClr>
+              <a:buSzPts val="1100"/>
+              <a:buFont typeface="Arial"/>
+              <a:buNone/>
+            </a:pPr>
+            <a:r>
+              <a:rPr lang="en"/>
+              <a:t>Contrast gives a sense of balance (red/blue, orange/purple) </a:t>
+            </a:r>
+            <a:endParaRPr/>
+          </a:p>
+          <a:p>
+            <a:pPr indent="0" lvl="0" marL="0" rtl="0" algn="l">
+              <a:spcBef>
+                <a:spcPts val="1600"/>
+              </a:spcBef>
+              <a:spcAft>
+                <a:spcPts val="0"/>
+              </a:spcAft>
+              <a:buClr>
+                <a:schemeClr val="dk1"/>
+              </a:buClr>
+              <a:buSzPts val="1100"/>
+              <a:buFont typeface="Arial"/>
+              <a:buNone/>
+            </a:pPr>
+            <a:r>
+              <a:rPr lang="en"/>
+              <a:t>Black is an accent color</a:t>
+            </a:r>
+            <a:endParaRPr/>
+          </a:p>
+          <a:p>
+            <a:pPr indent="0" lvl="0" marL="0" rtl="0" algn="l">
+              <a:spcBef>
+                <a:spcPts val="1600"/>
+              </a:spcBef>
+              <a:spcAft>
+                <a:spcPts val="0"/>
+              </a:spcAft>
+              <a:buClr>
+                <a:schemeClr val="dk1"/>
+              </a:buClr>
+              <a:buSzPts val="1100"/>
+              <a:buFont typeface="Arial"/>
+              <a:buNone/>
+            </a:pPr>
+            <a:r>
+              <a:rPr lang="en"/>
+              <a:t>Color code your visuals to the type of graph (e.g. bar charts are blue, line charts are red, treemaps are green)</a:t>
+            </a:r>
+            <a:endParaRPr/>
+          </a:p>
+          <a:p>
+            <a:pPr indent="0" lvl="0" marL="0" rtl="0" algn="l">
+              <a:spcBef>
+                <a:spcPts val="1600"/>
+              </a:spcBef>
+              <a:spcAft>
+                <a:spcPts val="0"/>
+              </a:spcAft>
+              <a:buClr>
+                <a:schemeClr val="dk1"/>
+              </a:buClr>
+              <a:buSzPts val="1100"/>
+              <a:buFont typeface="Arial"/>
+              <a:buNone/>
+            </a:pPr>
+            <a:r>
+              <a:rPr lang="en"/>
+              <a:t>Be aware of colorblindness.</a:t>
+            </a:r>
+            <a:endParaRPr/>
+          </a:p>
+          <a:p>
+            <a:pPr indent="0" lvl="0" marL="0" rtl="0" algn="l">
+              <a:spcBef>
+                <a:spcPts val="1600"/>
+              </a:spcBef>
+              <a:spcAft>
+                <a:spcPts val="0"/>
+              </a:spcAft>
+              <a:buClr>
+                <a:schemeClr val="dk1"/>
+              </a:buClr>
+              <a:buSzPts val="1100"/>
+              <a:buFont typeface="Arial"/>
+              <a:buNone/>
+            </a:pPr>
+            <a:r>
+              <a:rPr lang="en"/>
+              <a:t>Be conservative, use (develop!) some taste</a:t>
+            </a:r>
+            <a:endParaRPr/>
+          </a:p>
+          <a:p>
+            <a:pPr indent="0" lvl="0" marL="0" rtl="0" algn="l">
+              <a:spcBef>
+                <a:spcPts val="1600"/>
+              </a:spcBef>
+              <a:spcAft>
+                <a:spcPts val="1600"/>
+              </a:spcAft>
+              <a:buNone/>
+            </a:pPr>
+            <a:r>
+              <a:t/>
             </a:r>
             <a:endParaRPr/>
           </a:p>
@@ -9011,7 +9689,7 @@
   <p:cSld>
     <p:spTree>
       <p:nvGrpSpPr>
-        <p:cNvPr id="156" name="Shape 156"/>
+        <p:cNvPr id="154" name="Shape 154"/>
         <p:cNvGrpSpPr/>
         <p:nvPr/>
       </p:nvGrpSpPr>
@@ -9023,52 +9701,22 @@
           <a:chExt cx="0" cy="0"/>
         </a:xfrm>
       </p:grpSpPr>
-      <p:pic>
-        <p:nvPicPr>
-          <p:cNvPr id="157" name="Google Shape;157;p30"/>
-          <p:cNvPicPr preferRelativeResize="0"/>
-          <p:nvPr/>
-        </p:nvPicPr>
-        <p:blipFill>
-          <a:blip r:embed="rId3">
-            <a:alphaModFix/>
-          </a:blip>
-          <a:stretch>
-            <a:fillRect/>
-          </a:stretch>
-        </p:blipFill>
-        <p:spPr>
-          <a:xfrm>
-            <a:off x="283500" y="1048875"/>
-            <a:ext cx="5753100" cy="3733800"/>
+      <p:sp>
+        <p:nvSpPr>
+          <p:cNvPr id="155" name="Google Shape;155;p30"/>
+          <p:cNvSpPr txBox="1"/>
+          <p:nvPr>
+            <p:ph type="title"/>
+          </p:nvPr>
+        </p:nvSpPr>
+        <p:spPr>
+          <a:xfrm>
+            <a:off x="311700" y="445025"/>
+            <a:ext cx="8520600" cy="572700"/>
           </a:xfrm>
           <a:prstGeom prst="rect">
             <a:avLst/>
           </a:prstGeom>
-          <a:noFill/>
-          <a:ln>
-            <a:noFill/>
-          </a:ln>
-        </p:spPr>
-      </p:pic>
-      <p:sp>
-        <p:nvSpPr>
-          <p:cNvPr id="158" name="Google Shape;158;p30"/>
-          <p:cNvSpPr txBox="1"/>
-          <p:nvPr/>
-        </p:nvSpPr>
-        <p:spPr>
-          <a:xfrm>
-            <a:off x="6689900" y="1048875"/>
-            <a:ext cx="2286000" cy="3429000"/>
-          </a:xfrm>
-          <a:prstGeom prst="rect">
-            <a:avLst/>
-          </a:prstGeom>
-          <a:noFill/>
-          <a:ln>
-            <a:noFill/>
-          </a:ln>
         </p:spPr>
         <p:txBody>
           <a:bodyPr anchorCtr="0" anchor="t" bIns="91425" lIns="91425" spcFirstLastPara="1" rIns="91425" wrap="square" tIns="91425">
@@ -9087,179 +9735,7 @@
             </a:pPr>
             <a:r>
               <a:rPr lang="en"/>
-              <a:t>Proportions</a:t>
-            </a:r>
-            <a:endParaRPr/>
-          </a:p>
-          <a:p>
-            <a:pPr indent="0" lvl="0" marL="0" rtl="0" algn="l">
-              <a:spcBef>
-                <a:spcPts val="0"/>
-              </a:spcBef>
-              <a:spcAft>
-                <a:spcPts val="0"/>
-              </a:spcAft>
-              <a:buNone/>
-            </a:pPr>
-            <a:r>
-              <a:t/>
-            </a:r>
-            <a:endParaRPr/>
-          </a:p>
-          <a:p>
-            <a:pPr indent="0" lvl="0" marL="0" rtl="0" algn="l">
-              <a:spcBef>
-                <a:spcPts val="0"/>
-              </a:spcBef>
-              <a:spcAft>
-                <a:spcPts val="0"/>
-              </a:spcAft>
-              <a:buNone/>
-            </a:pPr>
-            <a:r>
-              <a:t/>
-            </a:r>
-            <a:endParaRPr/>
-          </a:p>
-          <a:p>
-            <a:pPr indent="0" lvl="0" marL="0" rtl="0" algn="l">
-              <a:spcBef>
-                <a:spcPts val="0"/>
-              </a:spcBef>
-              <a:spcAft>
-                <a:spcPts val="0"/>
-              </a:spcAft>
-              <a:buNone/>
-            </a:pPr>
-            <a:r>
-              <a:rPr lang="en"/>
-              <a:t>a</a:t>
-            </a:r>
-            <a:r>
-              <a:rPr lang="en"/>
-              <a:t>nd 3D</a:t>
-            </a:r>
-            <a:endParaRPr/>
-          </a:p>
-          <a:p>
-            <a:pPr indent="0" lvl="0" marL="0" rtl="0" algn="l">
-              <a:spcBef>
-                <a:spcPts val="0"/>
-              </a:spcBef>
-              <a:spcAft>
-                <a:spcPts val="0"/>
-              </a:spcAft>
-              <a:buNone/>
-            </a:pPr>
-            <a:r>
-              <a:t/>
-            </a:r>
-            <a:endParaRPr/>
-          </a:p>
-          <a:p>
-            <a:pPr indent="0" lvl="0" marL="0" rtl="0" algn="l">
-              <a:spcBef>
-                <a:spcPts val="0"/>
-              </a:spcBef>
-              <a:spcAft>
-                <a:spcPts val="0"/>
-              </a:spcAft>
-              <a:buNone/>
-            </a:pPr>
-            <a:r>
-              <a:t/>
-            </a:r>
-            <a:endParaRPr/>
-          </a:p>
-          <a:p>
-            <a:pPr indent="0" lvl="0" marL="0" rtl="0" algn="l">
-              <a:spcBef>
-                <a:spcPts val="0"/>
-              </a:spcBef>
-              <a:spcAft>
-                <a:spcPts val="0"/>
-              </a:spcAft>
-              <a:buNone/>
-            </a:pPr>
-            <a:r>
-              <a:rPr lang="en"/>
-              <a:t>(also, too much color and no labels)</a:t>
-            </a:r>
-            <a:endParaRPr/>
-          </a:p>
-          <a:p>
-            <a:pPr indent="0" lvl="0" marL="0" rtl="0" algn="l">
-              <a:spcBef>
-                <a:spcPts val="0"/>
-              </a:spcBef>
-              <a:spcAft>
-                <a:spcPts val="0"/>
-              </a:spcAft>
-              <a:buNone/>
-            </a:pPr>
-            <a:r>
-              <a:t/>
-            </a:r>
-            <a:endParaRPr/>
-          </a:p>
-          <a:p>
-            <a:pPr indent="0" lvl="0" marL="0" rtl="0" algn="l">
-              <a:spcBef>
-                <a:spcPts val="0"/>
-              </a:spcBef>
-              <a:spcAft>
-                <a:spcPts val="0"/>
-              </a:spcAft>
-              <a:buNone/>
-            </a:pPr>
-            <a:r>
-              <a:t/>
-            </a:r>
-            <a:endParaRPr/>
-          </a:p>
-          <a:p>
-            <a:pPr indent="0" lvl="0" marL="0" rtl="0" algn="l">
-              <a:spcBef>
-                <a:spcPts val="0"/>
-              </a:spcBef>
-              <a:spcAft>
-                <a:spcPts val="0"/>
-              </a:spcAft>
-              <a:buNone/>
-            </a:pPr>
-            <a:r>
-              <a:t/>
-            </a:r>
-            <a:endParaRPr/>
-          </a:p>
-          <a:p>
-            <a:pPr indent="0" lvl="0" marL="0" rtl="0" algn="l">
-              <a:spcBef>
-                <a:spcPts val="0"/>
-              </a:spcBef>
-              <a:spcAft>
-                <a:spcPts val="0"/>
-              </a:spcAft>
-              <a:buNone/>
-            </a:pPr>
-            <a:r>
-              <a:t/>
-            </a:r>
-            <a:endParaRPr/>
-          </a:p>
-          <a:p>
-            <a:pPr indent="0" lvl="0" marL="0" rtl="0" algn="l">
-              <a:spcBef>
-                <a:spcPts val="0"/>
-              </a:spcBef>
-              <a:spcAft>
-                <a:spcPts val="0"/>
-              </a:spcAft>
-              <a:buNone/>
-            </a:pPr>
-            <a:r>
-              <a:rPr lang="en"/>
-              <a:t>What would be a better chart type?</a:t>
+              <a:t>Color and working with clients</a:t>
             </a:r>
             <a:endParaRPr/>
           </a:p>
@@ -9267,16 +9743,16 @@
       </p:sp>
       <p:sp>
         <p:nvSpPr>
-          <p:cNvPr id="159" name="Google Shape;159;p30"/>
+          <p:cNvPr id="156" name="Google Shape;156;p30"/>
           <p:cNvSpPr txBox="1"/>
           <p:nvPr>
-            <p:ph type="title"/>
+            <p:ph idx="1" type="body"/>
           </p:nvPr>
         </p:nvSpPr>
         <p:spPr>
           <a:xfrm>
-            <a:off x="311700" y="445025"/>
-            <a:ext cx="8520600" cy="572700"/>
+            <a:off x="311700" y="1152475"/>
+            <a:ext cx="8520600" cy="3416400"/>
           </a:xfrm>
           <a:prstGeom prst="rect">
             <a:avLst/>
@@ -9299,7 +9775,77 @@
             </a:pPr>
             <a:r>
               <a:rPr lang="en"/>
-              <a:t>No,   NO,   NO!!!!</a:t>
+              <a:t>When you create a draft of a data viz, only use </a:t>
+            </a:r>
+            <a:r>
+              <a:rPr lang="en"/>
+              <a:t>grayscale</a:t>
+            </a:r>
+            <a:r>
+              <a:rPr lang="en"/>
+              <a:t> colors.</a:t>
+            </a:r>
+            <a:endParaRPr/>
+          </a:p>
+          <a:p>
+            <a:pPr indent="0" lvl="0" marL="0" rtl="0" algn="l">
+              <a:spcBef>
+                <a:spcPts val="1600"/>
+              </a:spcBef>
+              <a:spcAft>
+                <a:spcPts val="0"/>
+              </a:spcAft>
+              <a:buNone/>
+            </a:pPr>
+            <a:r>
+              <a:t/>
+            </a:r>
+            <a:endParaRPr/>
+          </a:p>
+          <a:p>
+            <a:pPr indent="0" lvl="0" marL="0" rtl="0" algn="l">
+              <a:spcBef>
+                <a:spcPts val="1600"/>
+              </a:spcBef>
+              <a:spcAft>
+                <a:spcPts val="0"/>
+              </a:spcAft>
+              <a:buNone/>
+            </a:pPr>
+            <a:r>
+              <a:rPr lang="en"/>
+              <a:t>Your customers often become preoccupied with color choice and ignore what is being communicated.</a:t>
+            </a:r>
+            <a:endParaRPr/>
+          </a:p>
+          <a:p>
+            <a:pPr indent="0" lvl="0" marL="0" rtl="0" algn="l">
+              <a:spcBef>
+                <a:spcPts val="1600"/>
+              </a:spcBef>
+              <a:spcAft>
+                <a:spcPts val="0"/>
+              </a:spcAft>
+              <a:buNone/>
+            </a:pPr>
+            <a:r>
+              <a:t/>
+            </a:r>
+            <a:endParaRPr/>
+          </a:p>
+          <a:p>
+            <a:pPr indent="0" lvl="0" marL="0" rtl="0" algn="l">
+              <a:spcBef>
+                <a:spcPts val="1600"/>
+              </a:spcBef>
+              <a:spcAft>
+                <a:spcPts val="1600"/>
+              </a:spcAft>
+              <a:buNone/>
+            </a:pPr>
+            <a:r>
+              <a:rPr lang="en"/>
+              <a:t>Take color out of the mix to help focus their attention on the content. Add color once all decisions are made</a:t>
             </a:r>
             <a:endParaRPr/>
           </a:p>
@@ -9318,7 +9864,7 @@
   <p:cSld>
     <p:spTree>
       <p:nvGrpSpPr>
-        <p:cNvPr id="163" name="Shape 163"/>
+        <p:cNvPr id="160" name="Shape 160"/>
         <p:cNvGrpSpPr/>
         <p:nvPr/>
       </p:nvGrpSpPr>
@@ -9330,34 +9876,97 @@
           <a:chExt cx="0" cy="0"/>
         </a:xfrm>
       </p:grpSpPr>
-      <p:pic>
-        <p:nvPicPr>
-          <p:cNvPr id="164" name="Google Shape;164;p31"/>
-          <p:cNvPicPr preferRelativeResize="0"/>
-          <p:nvPr/>
-        </p:nvPicPr>
-        <p:blipFill>
-          <a:blip r:embed="rId3">
-            <a:alphaModFix/>
-          </a:blip>
-          <a:stretch>
-            <a:fillRect/>
-          </a:stretch>
-        </p:blipFill>
-        <p:spPr>
-          <a:xfrm>
-            <a:off x="152400" y="152400"/>
-            <a:ext cx="7334250" cy="3952875"/>
+      <p:sp>
+        <p:nvSpPr>
+          <p:cNvPr id="161" name="Google Shape;161;p31"/>
+          <p:cNvSpPr txBox="1"/>
+          <p:nvPr>
+            <p:ph type="title"/>
+          </p:nvPr>
+        </p:nvSpPr>
+        <p:spPr>
+          <a:xfrm>
+            <a:off x="311700" y="445025"/>
+            <a:ext cx="8520600" cy="572700"/>
           </a:xfrm>
           <a:prstGeom prst="rect">
             <a:avLst/>
           </a:prstGeom>
-          <a:noFill/>
-          <a:ln>
-            <a:noFill/>
-          </a:ln>
-        </p:spPr>
-      </p:pic>
+        </p:spPr>
+        <p:txBody>
+          <a:bodyPr anchorCtr="0" anchor="t" bIns="91425" lIns="91425" spcFirstLastPara="1" rIns="91425" wrap="square" tIns="91425">
+            <a:noAutofit/>
+          </a:bodyPr>
+          <a:lstStyle/>
+          <a:p>
+            <a:pPr indent="0" lvl="0" marL="0" rtl="0" algn="l">
+              <a:spcBef>
+                <a:spcPts val="0"/>
+              </a:spcBef>
+              <a:spcAft>
+                <a:spcPts val="0"/>
+              </a:spcAft>
+              <a:buNone/>
+            </a:pPr>
+            <a:r>
+              <a:rPr lang="en"/>
+              <a:t>Form</a:t>
+            </a:r>
+            <a:endParaRPr/>
+          </a:p>
+        </p:txBody>
+      </p:sp>
+      <p:sp>
+        <p:nvSpPr>
+          <p:cNvPr id="162" name="Google Shape;162;p31"/>
+          <p:cNvSpPr txBox="1"/>
+          <p:nvPr>
+            <p:ph idx="1" type="body"/>
+          </p:nvPr>
+        </p:nvSpPr>
+        <p:spPr>
+          <a:xfrm>
+            <a:off x="311700" y="1174875"/>
+            <a:ext cx="8520600" cy="3416400"/>
+          </a:xfrm>
+          <a:prstGeom prst="rect">
+            <a:avLst/>
+          </a:prstGeom>
+        </p:spPr>
+        <p:txBody>
+          <a:bodyPr anchorCtr="0" anchor="t" bIns="91425" lIns="91425" spcFirstLastPara="1" rIns="91425" wrap="square" tIns="91425">
+            <a:noAutofit/>
+          </a:bodyPr>
+          <a:lstStyle/>
+          <a:p>
+            <a:pPr indent="0" lvl="0" marL="0" rtl="0" algn="l">
+              <a:spcBef>
+                <a:spcPts val="0"/>
+              </a:spcBef>
+              <a:spcAft>
+                <a:spcPts val="1600"/>
+              </a:spcAft>
+              <a:buNone/>
+            </a:pPr>
+            <a:r>
+              <a:rPr lang="en" sz="1200">
+                <a:solidFill>
+                  <a:srgbClr val="404040"/>
+                </a:solidFill>
+                <a:highlight>
+                  <a:srgbClr val="F9F9F9"/>
+                </a:highlight>
+                <a:latin typeface="Roboto"/>
+                <a:ea typeface="Roboto"/>
+                <a:cs typeface="Roboto"/>
+                <a:sym typeface="Roboto"/>
+              </a:rPr>
+              <a:t>Form can be manipulated to either call attention to a member of the data set or to reduce our attention on it.</a:t>
+            </a:r>
+            <a:endParaRPr/>
+          </a:p>
+        </p:txBody>
+      </p:sp>
     </p:spTree>
   </p:cSld>
   <p:clrMapOvr>
@@ -9456,14 +10065,14 @@
               <a:buNone/>
             </a:pPr>
             <a:r>
-              <a:rPr b="1" i="1" lang="en"/>
+              <a:rPr b="1" i="1" lang="en" sz="2400"/>
               <a:t>Pre</a:t>
             </a:r>
             <a:r>
-              <a:rPr lang="en"/>
+              <a:rPr lang="en" sz="2400"/>
               <a:t> - before</a:t>
             </a:r>
-            <a:endParaRPr/>
+            <a:endParaRPr sz="2400"/>
           </a:p>
           <a:p>
             <a:pPr indent="0" lvl="0" marL="0" rtl="0" algn="l">
@@ -9478,7 +10087,7 @@
             <a:r>
               <a:t/>
             </a:r>
-            <a:endParaRPr/>
+            <a:endParaRPr sz="2400"/>
           </a:p>
           <a:p>
             <a:pPr indent="0" lvl="0" marL="0" rtl="0" algn="l">
@@ -9491,14 +10100,14 @@
               <a:buNone/>
             </a:pPr>
             <a:r>
-              <a:rPr b="1" i="1" lang="en"/>
+              <a:rPr b="1" i="1" lang="en" sz="2400"/>
               <a:t>Attentive</a:t>
             </a:r>
             <a:r>
-              <a:rPr lang="en"/>
-              <a:t> - what you see or notice on a conscious level</a:t>
-            </a:r>
-            <a:endParaRPr/>
+              <a:rPr lang="en" sz="2400"/>
+              <a:t> - what you notice on a conscious level</a:t>
+            </a:r>
+            <a:endParaRPr sz="2400"/>
           </a:p>
           <a:p>
             <a:pPr indent="0" lvl="0" marL="0" rtl="0" algn="l">
@@ -9513,7 +10122,7 @@
             <a:r>
               <a:t/>
             </a:r>
-            <a:endParaRPr/>
+            <a:endParaRPr sz="2400"/>
           </a:p>
           <a:p>
             <a:pPr indent="0" lvl="0" marL="0" rtl="0" algn="l">
@@ -9526,17 +10135,499 @@
               <a:buNone/>
             </a:pPr>
             <a:r>
-              <a:rPr b="1" i="1" lang="en"/>
+              <a:rPr b="1" i="1" lang="en" sz="2400"/>
               <a:t>Attributes</a:t>
             </a:r>
             <a:r>
-              <a:rPr lang="en"/>
+              <a:rPr lang="en" sz="2400"/>
               <a:t> - characteristics</a:t>
             </a:r>
-            <a:endParaRPr/>
+            <a:endParaRPr sz="2400"/>
           </a:p>
         </p:txBody>
       </p:sp>
+      <p:pic>
+        <p:nvPicPr>
+          <p:cNvPr id="62" name="Google Shape;62;p14"/>
+          <p:cNvPicPr preferRelativeResize="0"/>
+          <p:nvPr/>
+        </p:nvPicPr>
+        <p:blipFill rotWithShape="1">
+          <a:blip r:embed="rId3">
+            <a:alphaModFix/>
+          </a:blip>
+          <a:srcRect b="11857" l="0" r="0" t="11934"/>
+          <a:stretch/>
+        </p:blipFill>
+        <p:spPr>
+          <a:xfrm>
+            <a:off x="6321525" y="3354075"/>
+            <a:ext cx="2510776" cy="1435000"/>
+          </a:xfrm>
+          <a:prstGeom prst="rect">
+            <a:avLst/>
+          </a:prstGeom>
+          <a:noFill/>
+          <a:ln>
+            <a:noFill/>
+          </a:ln>
+        </p:spPr>
+      </p:pic>
+    </p:spTree>
+  </p:cSld>
+  <p:clrMapOvr>
+    <a:masterClrMapping/>
+  </p:clrMapOvr>
+</p:sld>
+</file>
+
+<file path=ppt/slides/slide20.xml><?xml version="1.0" encoding="utf-8"?>
+<p:sld xmlns:a="http://schemas.openxmlformats.org/drawingml/2006/main" xmlns:r="http://schemas.openxmlformats.org/officeDocument/2006/relationships" xmlns:mc="http://schemas.openxmlformats.org/markup-compatibility/2006" xmlns:mv="urn:schemas-microsoft-com:mac:vml" xmlns:p="http://schemas.openxmlformats.org/presentationml/2006/main" xmlns:c="http://schemas.openxmlformats.org/drawingml/2006/chart" xmlns:dgm="http://schemas.openxmlformats.org/drawingml/2006/diagram" xmlns:o="urn:schemas-microsoft-com:office:office" xmlns:v="urn:schemas-microsoft-com:vml" xmlns:pvml="urn:schemas-microsoft-com:office:powerpoint" xmlns:com="http://schemas.openxmlformats.org/drawingml/2006/compatibility" xmlns:p14="http://schemas.microsoft.com/office/powerpoint/2010/main" xmlns:p15="http://schemas.microsoft.com/office/powerpoint/2012/main">
+  <p:cSld>
+    <p:spTree>
+      <p:nvGrpSpPr>
+        <p:cNvPr id="166" name="Shape 166"/>
+        <p:cNvGrpSpPr/>
+        <p:nvPr/>
+      </p:nvGrpSpPr>
+      <p:grpSpPr>
+        <a:xfrm>
+          <a:off x="0" y="0"/>
+          <a:ext cx="0" cy="0"/>
+          <a:chOff x="0" y="0"/>
+          <a:chExt cx="0" cy="0"/>
+        </a:xfrm>
+      </p:grpSpPr>
+      <p:pic>
+        <p:nvPicPr>
+          <p:cNvPr id="167" name="Google Shape;167;p32"/>
+          <p:cNvPicPr preferRelativeResize="0"/>
+          <p:nvPr/>
+        </p:nvPicPr>
+        <p:blipFill>
+          <a:blip r:embed="rId3">
+            <a:alphaModFix/>
+          </a:blip>
+          <a:stretch>
+            <a:fillRect/>
+          </a:stretch>
+        </p:blipFill>
+        <p:spPr>
+          <a:xfrm>
+            <a:off x="656675" y="152400"/>
+            <a:ext cx="4221743" cy="4838699"/>
+          </a:xfrm>
+          <a:prstGeom prst="rect">
+            <a:avLst/>
+          </a:prstGeom>
+          <a:noFill/>
+          <a:ln>
+            <a:noFill/>
+          </a:ln>
+        </p:spPr>
+      </p:pic>
+      <p:sp>
+        <p:nvSpPr>
+          <p:cNvPr id="168" name="Google Shape;168;p32"/>
+          <p:cNvSpPr txBox="1"/>
+          <p:nvPr/>
+        </p:nvSpPr>
+        <p:spPr>
+          <a:xfrm>
+            <a:off x="5658975" y="1423150"/>
+            <a:ext cx="3249600" cy="2880000"/>
+          </a:xfrm>
+          <a:prstGeom prst="rect">
+            <a:avLst/>
+          </a:prstGeom>
+          <a:noFill/>
+          <a:ln>
+            <a:noFill/>
+          </a:ln>
+        </p:spPr>
+        <p:txBody>
+          <a:bodyPr anchorCtr="0" anchor="t" bIns="91425" lIns="91425" spcFirstLastPara="1" rIns="91425" wrap="square" tIns="91425">
+            <a:noAutofit/>
+          </a:bodyPr>
+          <a:lstStyle/>
+          <a:p>
+            <a:pPr indent="0" lvl="0" marL="0" rtl="0" algn="l">
+              <a:spcBef>
+                <a:spcPts val="0"/>
+              </a:spcBef>
+              <a:spcAft>
+                <a:spcPts val="0"/>
+              </a:spcAft>
+              <a:buNone/>
+            </a:pPr>
+            <a:r>
+              <a:rPr lang="en"/>
+              <a:t>What seems to be missing?</a:t>
+            </a:r>
+            <a:endParaRPr/>
+          </a:p>
+        </p:txBody>
+      </p:sp>
+    </p:spTree>
+  </p:cSld>
+  <p:clrMapOvr>
+    <a:masterClrMapping/>
+  </p:clrMapOvr>
+</p:sld>
+</file>
+
+<file path=ppt/slides/slide21.xml><?xml version="1.0" encoding="utf-8"?>
+<p:sld xmlns:a="http://schemas.openxmlformats.org/drawingml/2006/main" xmlns:r="http://schemas.openxmlformats.org/officeDocument/2006/relationships" xmlns:mc="http://schemas.openxmlformats.org/markup-compatibility/2006" xmlns:mv="urn:schemas-microsoft-com:mac:vml" xmlns:p="http://schemas.openxmlformats.org/presentationml/2006/main" xmlns:c="http://schemas.openxmlformats.org/drawingml/2006/chart" xmlns:dgm="http://schemas.openxmlformats.org/drawingml/2006/diagram" xmlns:o="urn:schemas-microsoft-com:office:office" xmlns:v="urn:schemas-microsoft-com:vml" xmlns:pvml="urn:schemas-microsoft-com:office:powerpoint" xmlns:com="http://schemas.openxmlformats.org/drawingml/2006/compatibility" xmlns:p14="http://schemas.microsoft.com/office/powerpoint/2010/main" xmlns:p15="http://schemas.microsoft.com/office/powerpoint/2012/main">
+  <p:cSld>
+    <p:spTree>
+      <p:nvGrpSpPr>
+        <p:cNvPr id="172" name="Shape 172"/>
+        <p:cNvGrpSpPr/>
+        <p:nvPr/>
+      </p:nvGrpSpPr>
+      <p:grpSpPr>
+        <a:xfrm>
+          <a:off x="0" y="0"/>
+          <a:ext cx="0" cy="0"/>
+          <a:chOff x="0" y="0"/>
+          <a:chExt cx="0" cy="0"/>
+        </a:xfrm>
+      </p:grpSpPr>
+      <p:pic>
+        <p:nvPicPr>
+          <p:cNvPr id="173" name="Google Shape;173;p33"/>
+          <p:cNvPicPr preferRelativeResize="0"/>
+          <p:nvPr/>
+        </p:nvPicPr>
+        <p:blipFill>
+          <a:blip r:embed="rId3">
+            <a:alphaModFix/>
+          </a:blip>
+          <a:stretch>
+            <a:fillRect/>
+          </a:stretch>
+        </p:blipFill>
+        <p:spPr>
+          <a:xfrm>
+            <a:off x="283500" y="1048875"/>
+            <a:ext cx="5753100" cy="3733800"/>
+          </a:xfrm>
+          <a:prstGeom prst="rect">
+            <a:avLst/>
+          </a:prstGeom>
+          <a:noFill/>
+          <a:ln>
+            <a:noFill/>
+          </a:ln>
+        </p:spPr>
+      </p:pic>
+      <p:sp>
+        <p:nvSpPr>
+          <p:cNvPr id="174" name="Google Shape;174;p33"/>
+          <p:cNvSpPr txBox="1"/>
+          <p:nvPr/>
+        </p:nvSpPr>
+        <p:spPr>
+          <a:xfrm>
+            <a:off x="6689900" y="1048875"/>
+            <a:ext cx="2286000" cy="3429000"/>
+          </a:xfrm>
+          <a:prstGeom prst="rect">
+            <a:avLst/>
+          </a:prstGeom>
+          <a:noFill/>
+          <a:ln>
+            <a:noFill/>
+          </a:ln>
+        </p:spPr>
+        <p:txBody>
+          <a:bodyPr anchorCtr="0" anchor="t" bIns="91425" lIns="91425" spcFirstLastPara="1" rIns="91425" wrap="square" tIns="91425">
+            <a:noAutofit/>
+          </a:bodyPr>
+          <a:lstStyle/>
+          <a:p>
+            <a:pPr indent="0" lvl="0" marL="0" rtl="0" algn="l">
+              <a:spcBef>
+                <a:spcPts val="0"/>
+              </a:spcBef>
+              <a:spcAft>
+                <a:spcPts val="0"/>
+              </a:spcAft>
+              <a:buNone/>
+            </a:pPr>
+            <a:r>
+              <a:rPr lang="en"/>
+              <a:t>Proportions</a:t>
+            </a:r>
+            <a:endParaRPr/>
+          </a:p>
+          <a:p>
+            <a:pPr indent="0" lvl="0" marL="0" rtl="0" algn="l">
+              <a:spcBef>
+                <a:spcPts val="0"/>
+              </a:spcBef>
+              <a:spcAft>
+                <a:spcPts val="0"/>
+              </a:spcAft>
+              <a:buNone/>
+            </a:pPr>
+            <a:r>
+              <a:t/>
+            </a:r>
+            <a:endParaRPr/>
+          </a:p>
+          <a:p>
+            <a:pPr indent="0" lvl="0" marL="0" rtl="0" algn="l">
+              <a:spcBef>
+                <a:spcPts val="0"/>
+              </a:spcBef>
+              <a:spcAft>
+                <a:spcPts val="0"/>
+              </a:spcAft>
+              <a:buNone/>
+            </a:pPr>
+            <a:r>
+              <a:t/>
+            </a:r>
+            <a:endParaRPr/>
+          </a:p>
+          <a:p>
+            <a:pPr indent="0" lvl="0" marL="0" rtl="0" algn="l">
+              <a:spcBef>
+                <a:spcPts val="0"/>
+              </a:spcBef>
+              <a:spcAft>
+                <a:spcPts val="0"/>
+              </a:spcAft>
+              <a:buNone/>
+            </a:pPr>
+            <a:r>
+              <a:rPr lang="en"/>
+              <a:t>a</a:t>
+            </a:r>
+            <a:r>
+              <a:rPr lang="en"/>
+              <a:t>nd 3D</a:t>
+            </a:r>
+            <a:endParaRPr/>
+          </a:p>
+          <a:p>
+            <a:pPr indent="0" lvl="0" marL="0" rtl="0" algn="l">
+              <a:spcBef>
+                <a:spcPts val="0"/>
+              </a:spcBef>
+              <a:spcAft>
+                <a:spcPts val="0"/>
+              </a:spcAft>
+              <a:buNone/>
+            </a:pPr>
+            <a:r>
+              <a:t/>
+            </a:r>
+            <a:endParaRPr/>
+          </a:p>
+          <a:p>
+            <a:pPr indent="0" lvl="0" marL="0" rtl="0" algn="l">
+              <a:spcBef>
+                <a:spcPts val="0"/>
+              </a:spcBef>
+              <a:spcAft>
+                <a:spcPts val="0"/>
+              </a:spcAft>
+              <a:buNone/>
+            </a:pPr>
+            <a:r>
+              <a:t/>
+            </a:r>
+            <a:endParaRPr/>
+          </a:p>
+          <a:p>
+            <a:pPr indent="0" lvl="0" marL="0" rtl="0" algn="l">
+              <a:spcBef>
+                <a:spcPts val="0"/>
+              </a:spcBef>
+              <a:spcAft>
+                <a:spcPts val="0"/>
+              </a:spcAft>
+              <a:buNone/>
+            </a:pPr>
+            <a:r>
+              <a:rPr lang="en"/>
+              <a:t>(also, too much color and no labels)</a:t>
+            </a:r>
+            <a:endParaRPr/>
+          </a:p>
+          <a:p>
+            <a:pPr indent="0" lvl="0" marL="0" rtl="0" algn="l">
+              <a:spcBef>
+                <a:spcPts val="0"/>
+              </a:spcBef>
+              <a:spcAft>
+                <a:spcPts val="0"/>
+              </a:spcAft>
+              <a:buNone/>
+            </a:pPr>
+            <a:r>
+              <a:t/>
+            </a:r>
+            <a:endParaRPr/>
+          </a:p>
+          <a:p>
+            <a:pPr indent="0" lvl="0" marL="0" rtl="0" algn="l">
+              <a:spcBef>
+                <a:spcPts val="0"/>
+              </a:spcBef>
+              <a:spcAft>
+                <a:spcPts val="0"/>
+              </a:spcAft>
+              <a:buNone/>
+            </a:pPr>
+            <a:r>
+              <a:t/>
+            </a:r>
+            <a:endParaRPr/>
+          </a:p>
+          <a:p>
+            <a:pPr indent="0" lvl="0" marL="0" rtl="0" algn="l">
+              <a:spcBef>
+                <a:spcPts val="0"/>
+              </a:spcBef>
+              <a:spcAft>
+                <a:spcPts val="0"/>
+              </a:spcAft>
+              <a:buNone/>
+            </a:pPr>
+            <a:r>
+              <a:t/>
+            </a:r>
+            <a:endParaRPr/>
+          </a:p>
+          <a:p>
+            <a:pPr indent="0" lvl="0" marL="0" rtl="0" algn="l">
+              <a:spcBef>
+                <a:spcPts val="0"/>
+              </a:spcBef>
+              <a:spcAft>
+                <a:spcPts val="0"/>
+              </a:spcAft>
+              <a:buNone/>
+            </a:pPr>
+            <a:r>
+              <a:t/>
+            </a:r>
+            <a:endParaRPr/>
+          </a:p>
+          <a:p>
+            <a:pPr indent="0" lvl="0" marL="0" rtl="0" algn="l">
+              <a:spcBef>
+                <a:spcPts val="0"/>
+              </a:spcBef>
+              <a:spcAft>
+                <a:spcPts val="0"/>
+              </a:spcAft>
+              <a:buNone/>
+            </a:pPr>
+            <a:r>
+              <a:rPr lang="en"/>
+              <a:t>What would be a better chart type?</a:t>
+            </a:r>
+            <a:endParaRPr/>
+          </a:p>
+        </p:txBody>
+      </p:sp>
+      <p:sp>
+        <p:nvSpPr>
+          <p:cNvPr id="175" name="Google Shape;175;p33"/>
+          <p:cNvSpPr txBox="1"/>
+          <p:nvPr>
+            <p:ph type="title"/>
+          </p:nvPr>
+        </p:nvSpPr>
+        <p:spPr>
+          <a:xfrm>
+            <a:off x="311700" y="445025"/>
+            <a:ext cx="8520600" cy="572700"/>
+          </a:xfrm>
+          <a:prstGeom prst="rect">
+            <a:avLst/>
+          </a:prstGeom>
+        </p:spPr>
+        <p:txBody>
+          <a:bodyPr anchorCtr="0" anchor="t" bIns="91425" lIns="91425" spcFirstLastPara="1" rIns="91425" wrap="square" tIns="91425">
+            <a:noAutofit/>
+          </a:bodyPr>
+          <a:lstStyle/>
+          <a:p>
+            <a:pPr indent="0" lvl="0" marL="0" rtl="0" algn="l">
+              <a:spcBef>
+                <a:spcPts val="0"/>
+              </a:spcBef>
+              <a:spcAft>
+                <a:spcPts val="0"/>
+              </a:spcAft>
+              <a:buNone/>
+            </a:pPr>
+            <a:r>
+              <a:rPr lang="en"/>
+              <a:t>No,   NO,   NO!!!!</a:t>
+            </a:r>
+            <a:endParaRPr/>
+          </a:p>
+        </p:txBody>
+      </p:sp>
+    </p:spTree>
+  </p:cSld>
+  <p:clrMapOvr>
+    <a:masterClrMapping/>
+  </p:clrMapOvr>
+</p:sld>
+</file>
+
+<file path=ppt/slides/slide22.xml><?xml version="1.0" encoding="utf-8"?>
+<p:sld xmlns:a="http://schemas.openxmlformats.org/drawingml/2006/main" xmlns:r="http://schemas.openxmlformats.org/officeDocument/2006/relationships" xmlns:mc="http://schemas.openxmlformats.org/markup-compatibility/2006" xmlns:mv="urn:schemas-microsoft-com:mac:vml" xmlns:p="http://schemas.openxmlformats.org/presentationml/2006/main" xmlns:c="http://schemas.openxmlformats.org/drawingml/2006/chart" xmlns:dgm="http://schemas.openxmlformats.org/drawingml/2006/diagram" xmlns:o="urn:schemas-microsoft-com:office:office" xmlns:v="urn:schemas-microsoft-com:vml" xmlns:pvml="urn:schemas-microsoft-com:office:powerpoint" xmlns:com="http://schemas.openxmlformats.org/drawingml/2006/compatibility" xmlns:p14="http://schemas.microsoft.com/office/powerpoint/2010/main" xmlns:p15="http://schemas.microsoft.com/office/powerpoint/2012/main">
+  <p:cSld>
+    <p:spTree>
+      <p:nvGrpSpPr>
+        <p:cNvPr id="179" name="Shape 179"/>
+        <p:cNvGrpSpPr/>
+        <p:nvPr/>
+      </p:nvGrpSpPr>
+      <p:grpSpPr>
+        <a:xfrm>
+          <a:off x="0" y="0"/>
+          <a:ext cx="0" cy="0"/>
+          <a:chOff x="0" y="0"/>
+          <a:chExt cx="0" cy="0"/>
+        </a:xfrm>
+      </p:grpSpPr>
+      <p:pic>
+        <p:nvPicPr>
+          <p:cNvPr id="180" name="Google Shape;180;p34"/>
+          <p:cNvPicPr preferRelativeResize="0"/>
+          <p:nvPr/>
+        </p:nvPicPr>
+        <p:blipFill>
+          <a:blip r:embed="rId3">
+            <a:alphaModFix/>
+          </a:blip>
+          <a:stretch>
+            <a:fillRect/>
+          </a:stretch>
+        </p:blipFill>
+        <p:spPr>
+          <a:xfrm>
+            <a:off x="152400" y="152400"/>
+            <a:ext cx="7334250" cy="3952875"/>
+          </a:xfrm>
+          <a:prstGeom prst="rect">
+            <a:avLst/>
+          </a:prstGeom>
+          <a:noFill/>
+          <a:ln>
+            <a:noFill/>
+          </a:ln>
+        </p:spPr>
+      </p:pic>
     </p:spTree>
   </p:cSld>
   <p:clrMapOvr>
@@ -9550,7 +10641,7 @@
   <p:cSld>
     <p:spTree>
       <p:nvGrpSpPr>
-        <p:cNvPr id="65" name="Shape 65"/>
+        <p:cNvPr id="66" name="Shape 66"/>
         <p:cNvGrpSpPr/>
         <p:nvPr/>
       </p:nvGrpSpPr>
@@ -9564,7 +10655,7 @@
       </p:grpSpPr>
       <p:sp>
         <p:nvSpPr>
-          <p:cNvPr id="66" name="Google Shape;66;p15"/>
+          <p:cNvPr id="67" name="Google Shape;67;p15"/>
           <p:cNvSpPr txBox="1"/>
           <p:nvPr>
             <p:ph type="title"/>
@@ -9596,7 +10687,7 @@
             </a:pPr>
             <a:r>
               <a:rPr lang="en"/>
-              <a:t>Guess how fast your brain processes PAA?</a:t>
+              <a:t>How fast your brain processes PAA?</a:t>
             </a:r>
             <a:endParaRPr/>
           </a:p>
@@ -9604,7 +10695,7 @@
       </p:sp>
       <p:sp>
         <p:nvSpPr>
-          <p:cNvPr id="67" name="Google Shape;67;p15"/>
+          <p:cNvPr id="68" name="Google Shape;68;p15"/>
           <p:cNvSpPr txBox="1"/>
           <p:nvPr>
             <p:ph idx="1" type="body"/>
@@ -9635,10 +10726,10 @@
               <a:buNone/>
             </a:pPr>
             <a:r>
-              <a:rPr lang="en"/>
-              <a:t>5 seconds?</a:t>
-            </a:r>
-            <a:endParaRPr/>
+              <a:rPr lang="en" sz="2400"/>
+              <a:t>5 	seconds?</a:t>
+            </a:r>
+            <a:endParaRPr sz="2400"/>
           </a:p>
           <a:p>
             <a:pPr indent="457200" lvl="0" marL="457200" rtl="0" algn="l">
@@ -9651,10 +10742,10 @@
               <a:buNone/>
             </a:pPr>
             <a:r>
-              <a:rPr lang="en"/>
-              <a:t>.5 seconds?</a:t>
-            </a:r>
-            <a:endParaRPr/>
+              <a:rPr lang="en" sz="2400"/>
+              <a:t>1 	second?</a:t>
+            </a:r>
+            <a:endParaRPr sz="2400"/>
           </a:p>
           <a:p>
             <a:pPr indent="457200" lvl="0" marL="457200" rtl="0" algn="l">
@@ -9667,10 +10758,10 @@
               <a:buNone/>
             </a:pPr>
             <a:r>
-              <a:rPr lang="en"/>
-              <a:t>.05 seconds?</a:t>
-            </a:r>
-            <a:endParaRPr/>
+              <a:rPr lang="en" sz="2400"/>
+              <a:t>.5 	seconds?</a:t>
+            </a:r>
+            <a:endParaRPr sz="2400"/>
           </a:p>
           <a:p>
             <a:pPr indent="457200" lvl="0" marL="457200" rtl="0" algn="l">
@@ -9683,8 +10774,23 @@
               <a:buNone/>
             </a:pPr>
             <a:r>
-              <a:rPr lang="en"/>
-              <a:t>.005 seconds?</a:t>
+              <a:rPr lang="en" sz="2400"/>
+              <a:t>.05 	seconds?</a:t>
+            </a:r>
+            <a:endParaRPr sz="2400"/>
+          </a:p>
+          <a:p>
+            <a:pPr indent="457200" lvl="0" marL="457200" rtl="0" algn="l">
+              <a:spcBef>
+                <a:spcPts val="1600"/>
+              </a:spcBef>
+              <a:spcAft>
+                <a:spcPts val="0"/>
+              </a:spcAft>
+              <a:buNone/>
+            </a:pPr>
+            <a:r>
+              <a:t/>
             </a:r>
             <a:endParaRPr/>
           </a:p>
@@ -9705,6 +10811,34 @@
           </a:p>
         </p:txBody>
       </p:sp>
+      <p:pic>
+        <p:nvPicPr>
+          <p:cNvPr id="69" name="Google Shape;69;p15"/>
+          <p:cNvPicPr preferRelativeResize="0"/>
+          <p:nvPr/>
+        </p:nvPicPr>
+        <p:blipFill>
+          <a:blip r:embed="rId3">
+            <a:alphaModFix/>
+          </a:blip>
+          <a:stretch>
+            <a:fillRect/>
+          </a:stretch>
+        </p:blipFill>
+        <p:spPr>
+          <a:xfrm>
+            <a:off x="6442900" y="2341725"/>
+            <a:ext cx="2389400" cy="2509875"/>
+          </a:xfrm>
+          <a:prstGeom prst="rect">
+            <a:avLst/>
+          </a:prstGeom>
+          <a:noFill/>
+          <a:ln>
+            <a:noFill/>
+          </a:ln>
+        </p:spPr>
+      </p:pic>
     </p:spTree>
   </p:cSld>
   <p:clrMapOvr>
@@ -9718,7 +10852,7 @@
   <p:cSld>
     <p:spTree>
       <p:nvGrpSpPr>
-        <p:cNvPr id="71" name="Shape 71"/>
+        <p:cNvPr id="73" name="Shape 73"/>
         <p:cNvGrpSpPr/>
         <p:nvPr/>
       </p:nvGrpSpPr>
@@ -9732,7 +10866,7 @@
       </p:grpSpPr>
       <p:sp>
         <p:nvSpPr>
-          <p:cNvPr id="72" name="Google Shape;72;p16"/>
+          <p:cNvPr id="74" name="Google Shape;74;p16"/>
           <p:cNvSpPr txBox="1"/>
           <p:nvPr>
             <p:ph type="title"/>
@@ -9764,7 +10898,7 @@
             </a:pPr>
             <a:r>
               <a:rPr lang="en"/>
-              <a:t>4 preattentive visual properties</a:t>
+              <a:t>4 PAA properties</a:t>
             </a:r>
             <a:endParaRPr/>
           </a:p>
@@ -9772,7 +10906,7 @@
       </p:sp>
       <p:sp>
         <p:nvSpPr>
-          <p:cNvPr id="73" name="Google Shape;73;p16"/>
+          <p:cNvPr id="75" name="Google Shape;75;p16"/>
           <p:cNvSpPr txBox="1"/>
           <p:nvPr>
             <p:ph idx="1" type="body"/>
@@ -9798,13 +10932,109 @@
                 <a:spcPts val="0"/>
               </a:spcBef>
               <a:spcAft>
+                <a:spcPts val="0"/>
+              </a:spcAft>
+              <a:buNone/>
+            </a:pPr>
+            <a:r>
+              <a:rPr b="1" lang="en" sz="2400">
+                <a:solidFill>
+                  <a:srgbClr val="FF0000"/>
+                </a:solidFill>
+              </a:rPr>
+              <a:t>Color</a:t>
+            </a:r>
+            <a:endParaRPr b="1" sz="2400">
+              <a:solidFill>
+                <a:srgbClr val="FF0000"/>
+              </a:solidFill>
+            </a:endParaRPr>
+          </a:p>
+          <a:p>
+            <a:pPr indent="0" lvl="0" marL="0" rtl="0" algn="l">
+              <a:spcBef>
                 <a:spcPts val="1600"/>
-              </a:spcAft>
-              <a:buNone/>
-            </a:pPr>
-            <a:r>
-              <a:rPr lang="en"/>
-              <a:t>Color</a:t>
+              </a:spcBef>
+              <a:spcAft>
+                <a:spcPts val="0"/>
+              </a:spcAft>
+              <a:buNone/>
+            </a:pPr>
+            <a:r>
+              <a:rPr b="1" i="1" lang="en" sz="2400">
+                <a:latin typeface="Pacifico"/>
+                <a:ea typeface="Pacifico"/>
+                <a:cs typeface="Pacifico"/>
+                <a:sym typeface="Pacifico"/>
+              </a:rPr>
+              <a:t>Form</a:t>
+            </a:r>
+            <a:endParaRPr b="1" i="1" sz="2400">
+              <a:latin typeface="Pacifico"/>
+              <a:ea typeface="Pacifico"/>
+              <a:cs typeface="Pacifico"/>
+              <a:sym typeface="Pacifico"/>
+            </a:endParaRPr>
+          </a:p>
+          <a:p>
+            <a:pPr indent="0" lvl="0" marL="0" rtl="0" algn="l">
+              <a:spcBef>
+                <a:spcPts val="1600"/>
+              </a:spcBef>
+              <a:spcAft>
+                <a:spcPts val="0"/>
+              </a:spcAft>
+              <a:buNone/>
+            </a:pPr>
+            <a:r>
+              <a:rPr i="1" lang="en" sz="2400"/>
+              <a:t>Mo--v---em----en-------t</a:t>
+            </a:r>
+            <a:endParaRPr i="1" sz="2400"/>
+          </a:p>
+          <a:p>
+            <a:pPr indent="457200" lvl="0" marL="2286000" rtl="0" algn="l">
+              <a:spcBef>
+                <a:spcPts val="1600"/>
+              </a:spcBef>
+              <a:spcAft>
+                <a:spcPts val="0"/>
+              </a:spcAft>
+              <a:buNone/>
+            </a:pPr>
+            <a:r>
+              <a:t/>
+            </a:r>
+            <a:endParaRPr sz="2400"/>
+          </a:p>
+          <a:p>
+            <a:pPr indent="457200" lvl="0" marL="5029200" rtl="0" algn="l">
+              <a:spcBef>
+                <a:spcPts val="1600"/>
+              </a:spcBef>
+              <a:spcAft>
+                <a:spcPts val="0"/>
+              </a:spcAft>
+              <a:buNone/>
+            </a:pPr>
+            <a:r>
+              <a:rPr lang="en" sz="2400"/>
+              <a:t>Spatial Positioning</a:t>
+            </a:r>
+            <a:endParaRPr sz="2400"/>
+          </a:p>
+          <a:p>
+            <a:pPr indent="0" lvl="0" marL="0" rtl="0" algn="l">
+              <a:spcBef>
+                <a:spcPts val="1600"/>
+              </a:spcBef>
+              <a:spcAft>
+                <a:spcPts val="1600"/>
+              </a:spcAft>
+              <a:buNone/>
+            </a:pPr>
+            <a:r>
+              <a:t/>
             </a:r>
             <a:endParaRPr/>
           </a:p>
@@ -9821,9 +11051,21 @@
 <file path=ppt/slides/slide5.xml><?xml version="1.0" encoding="utf-8"?>
 <p:sld xmlns:a="http://schemas.openxmlformats.org/drawingml/2006/main" xmlns:r="http://schemas.openxmlformats.org/officeDocument/2006/relationships" xmlns:mc="http://schemas.openxmlformats.org/markup-compatibility/2006" xmlns:mv="urn:schemas-microsoft-com:mac:vml" xmlns:p="http://schemas.openxmlformats.org/presentationml/2006/main" xmlns:c="http://schemas.openxmlformats.org/drawingml/2006/chart" xmlns:dgm="http://schemas.openxmlformats.org/drawingml/2006/diagram" xmlns:o="urn:schemas-microsoft-com:office:office" xmlns:v="urn:schemas-microsoft-com:vml" xmlns:pvml="urn:schemas-microsoft-com:office:powerpoint" xmlns:com="http://schemas.openxmlformats.org/drawingml/2006/compatibility" xmlns:p14="http://schemas.microsoft.com/office/powerpoint/2010/main" xmlns:p15="http://schemas.microsoft.com/office/powerpoint/2012/main">
   <p:cSld>
+    <p:bg>
+      <p:bgPr>
+        <a:blipFill>
+          <a:blip r:embed="rId3">
+            <a:alphaModFix/>
+          </a:blip>
+          <a:stretch>
+            <a:fillRect/>
+          </a:stretch>
+        </a:blipFill>
+      </p:bgPr>
+    </p:bg>
     <p:spTree>
       <p:nvGrpSpPr>
-        <p:cNvPr id="77" name="Shape 77"/>
+        <p:cNvPr id="79" name="Shape 79"/>
         <p:cNvGrpSpPr/>
         <p:nvPr/>
       </p:nvGrpSpPr>
@@ -9837,20 +11079,22 @@
       </p:grpSpPr>
       <p:sp>
         <p:nvSpPr>
-          <p:cNvPr id="78" name="Google Shape;78;p17"/>
+          <p:cNvPr id="80" name="Google Shape;80;p17"/>
           <p:cNvSpPr txBox="1"/>
-          <p:nvPr>
-            <p:ph type="title"/>
-          </p:nvPr>
+          <p:nvPr/>
         </p:nvSpPr>
         <p:spPr>
           <a:xfrm>
-            <a:off x="311700" y="445025"/>
-            <a:ext cx="8520600" cy="572700"/>
+            <a:off x="406075" y="0"/>
+            <a:ext cx="3871200" cy="798600"/>
           </a:xfrm>
           <a:prstGeom prst="rect">
             <a:avLst/>
           </a:prstGeom>
+          <a:noFill/>
+          <a:ln>
+            <a:noFill/>
+          </a:ln>
         </p:spPr>
         <p:txBody>
           <a:bodyPr anchorCtr="0" anchor="t" bIns="91425" lIns="91425" spcFirstLastPara="1" rIns="91425" wrap="square" tIns="91425">
@@ -9868,48 +11112,18 @@
               <a:buNone/>
             </a:pPr>
             <a:r>
-              <a:t/>
-            </a:r>
-            <a:endParaRPr/>
-          </a:p>
-        </p:txBody>
-      </p:sp>
-      <p:sp>
-        <p:nvSpPr>
-          <p:cNvPr id="79" name="Google Shape;79;p17"/>
-          <p:cNvSpPr txBox="1"/>
-          <p:nvPr>
-            <p:ph idx="1" type="body"/>
-          </p:nvPr>
-        </p:nvSpPr>
-        <p:spPr>
-          <a:xfrm>
-            <a:off x="311700" y="1152475"/>
-            <a:ext cx="8520600" cy="3416400"/>
-          </a:xfrm>
-          <a:prstGeom prst="rect">
-            <a:avLst/>
-          </a:prstGeom>
-        </p:spPr>
-        <p:txBody>
-          <a:bodyPr anchorCtr="0" anchor="t" bIns="91425" lIns="91425" spcFirstLastPara="1" rIns="91425" wrap="square" tIns="91425">
-            <a:noAutofit/>
-          </a:bodyPr>
-          <a:lstStyle/>
-          <a:p>
-            <a:pPr indent="0" lvl="0" marL="0" rtl="0" algn="l">
-              <a:spcBef>
-                <a:spcPts val="0"/>
-              </a:spcBef>
-              <a:spcAft>
-                <a:spcPts val="1600"/>
-              </a:spcAft>
-              <a:buNone/>
-            </a:pPr>
-            <a:r>
-              <a:t/>
-            </a:r>
-            <a:endParaRPr/>
+              <a:rPr b="1" lang="en" sz="4800">
+                <a:solidFill>
+                  <a:srgbClr val="FFFFFF"/>
+                </a:solidFill>
+              </a:rPr>
+              <a:t>Color</a:t>
+            </a:r>
+            <a:endParaRPr b="1" sz="4800">
+              <a:solidFill>
+                <a:srgbClr val="FFFFFF"/>
+              </a:solidFill>
+            </a:endParaRPr>
           </a:p>
         </p:txBody>
       </p:sp>
@@ -9926,7 +11140,7 @@
   <p:cSld>
     <p:spTree>
       <p:nvGrpSpPr>
-        <p:cNvPr id="83" name="Shape 83"/>
+        <p:cNvPr id="84" name="Shape 84"/>
         <p:cNvGrpSpPr/>
         <p:nvPr/>
       </p:nvGrpSpPr>
@@ -9940,7 +11154,7 @@
       </p:grpSpPr>
       <p:sp>
         <p:nvSpPr>
-          <p:cNvPr id="84" name="Google Shape;84;p18"/>
+          <p:cNvPr id="85" name="Google Shape;85;p18"/>
           <p:cNvSpPr txBox="1"/>
           <p:nvPr>
             <p:ph type="title"/>
@@ -9971,7 +11185,8 @@
               <a:buNone/>
             </a:pPr>
             <a:r>
-              <a:t/>
+              <a:rPr lang="en"/>
+              <a:t>Color properties</a:t>
             </a:r>
             <a:endParaRPr/>
           </a:p>
@@ -9979,7 +11194,7 @@
       </p:sp>
       <p:pic>
         <p:nvPicPr>
-          <p:cNvPr id="85" name="Google Shape;85;p18"/>
+          <p:cNvPr id="86" name="Google Shape;86;p18"/>
           <p:cNvPicPr preferRelativeResize="0"/>
           <p:nvPr/>
         </p:nvPicPr>
@@ -10018,7 +11233,7 @@
   <p:cSld>
     <p:spTree>
       <p:nvGrpSpPr>
-        <p:cNvPr id="89" name="Shape 89"/>
+        <p:cNvPr id="90" name="Shape 90"/>
         <p:cNvGrpSpPr/>
         <p:nvPr/>
       </p:nvGrpSpPr>
@@ -10032,7 +11247,7 @@
       </p:grpSpPr>
       <p:sp>
         <p:nvSpPr>
-          <p:cNvPr id="90" name="Google Shape;90;p19"/>
+          <p:cNvPr id="91" name="Google Shape;91;p19"/>
           <p:cNvSpPr txBox="1"/>
           <p:nvPr>
             <p:ph type="title"/>
@@ -10072,7 +11287,7 @@
       </p:sp>
       <p:pic>
         <p:nvPicPr>
-          <p:cNvPr id="91" name="Google Shape;91;p19"/>
+          <p:cNvPr id="92" name="Google Shape;92;p19"/>
           <p:cNvPicPr preferRelativeResize="0"/>
           <p:nvPr/>
         </p:nvPicPr>
@@ -10111,7 +11326,7 @@
   <p:cSld>
     <p:spTree>
       <p:nvGrpSpPr>
-        <p:cNvPr id="95" name="Shape 95"/>
+        <p:cNvPr id="96" name="Shape 96"/>
         <p:cNvGrpSpPr/>
         <p:nvPr/>
       </p:nvGrpSpPr>
@@ -10125,7 +11340,7 @@
       </p:grpSpPr>
       <p:sp>
         <p:nvSpPr>
-          <p:cNvPr id="96" name="Google Shape;96;p20"/>
+          <p:cNvPr id="97" name="Google Shape;97;p20"/>
           <p:cNvSpPr txBox="1"/>
           <p:nvPr>
             <p:ph type="title"/>
@@ -10157,7 +11372,7 @@
             </a:pPr>
             <a:r>
               <a:rPr lang="en"/>
-              <a:t>How many 9s?</a:t>
+              <a:t>Saturation: same hue, different intensity</a:t>
             </a:r>
             <a:endParaRPr/>
           </a:p>
@@ -10165,7 +11380,7 @@
       </p:sp>
       <p:pic>
         <p:nvPicPr>
-          <p:cNvPr id="97" name="Google Shape;97;p20"/>
+          <p:cNvPr id="98" name="Google Shape;98;p20"/>
           <p:cNvPicPr preferRelativeResize="0"/>
           <p:nvPr/>
         </p:nvPicPr>
@@ -10179,8 +11394,8 @@
         </p:blipFill>
         <p:spPr>
           <a:xfrm>
-            <a:off x="2259100" y="1125300"/>
-            <a:ext cx="3766390" cy="3820975"/>
+            <a:off x="1351400" y="1237375"/>
+            <a:ext cx="6335826" cy="3627900"/>
           </a:xfrm>
           <a:prstGeom prst="rect">
             <a:avLst/>
@@ -10204,7 +11419,7 @@
   <p:cSld>
     <p:spTree>
       <p:nvGrpSpPr>
-        <p:cNvPr id="101" name="Shape 101"/>
+        <p:cNvPr id="102" name="Shape 102"/>
         <p:cNvGrpSpPr/>
         <p:nvPr/>
       </p:nvGrpSpPr>
@@ -10218,7 +11433,7 @@
       </p:grpSpPr>
       <p:sp>
         <p:nvSpPr>
-          <p:cNvPr id="102" name="Google Shape;102;p21"/>
+          <p:cNvPr id="103" name="Google Shape;103;p21"/>
           <p:cNvSpPr txBox="1"/>
           <p:nvPr>
             <p:ph type="title"/>
@@ -10250,7 +11465,7 @@
             </a:pPr>
             <a:r>
               <a:rPr lang="en"/>
-              <a:t>Easier?</a:t>
+              <a:t>Brightness: it’s black &amp; white</a:t>
             </a:r>
             <a:endParaRPr/>
           </a:p>
@@ -10258,7 +11473,7 @@
       </p:sp>
       <p:pic>
         <p:nvPicPr>
-          <p:cNvPr id="103" name="Google Shape;103;p21"/>
+          <p:cNvPr id="104" name="Google Shape;104;p21"/>
           <p:cNvPicPr preferRelativeResize="0"/>
           <p:nvPr/>
         </p:nvPicPr>
@@ -10272,8 +11487,8 @@
         </p:blipFill>
         <p:spPr>
           <a:xfrm>
-            <a:off x="2682275" y="1181325"/>
-            <a:ext cx="3779443" cy="3820976"/>
+            <a:off x="1754850" y="1573525"/>
+            <a:ext cx="5338475" cy="2899350"/>
           </a:xfrm>
           <a:prstGeom prst="rect">
             <a:avLst/>
